--- a/documentação/Slide de apresentação.pptx
+++ b/documentação/Slide de apresentação.pptx
@@ -5,40 +5,47 @@
     <p:sldMasterId id="2147483673" r:id="rId1"/>
   </p:sldMasterIdLst>
   <p:notesMasterIdLst>
-    <p:notesMasterId r:id="rId7"/>
+    <p:notesMasterId r:id="rId10"/>
   </p:notesMasterIdLst>
   <p:sldIdLst>
     <p:sldId id="256" r:id="rId2"/>
     <p:sldId id="298" r:id="rId3"/>
     <p:sldId id="299" r:id="rId4"/>
-    <p:sldId id="300" r:id="rId5"/>
-    <p:sldId id="301" r:id="rId6"/>
+    <p:sldId id="303" r:id="rId5"/>
+    <p:sldId id="300" r:id="rId6"/>
+    <p:sldId id="302" r:id="rId7"/>
+    <p:sldId id="304" r:id="rId8"/>
+    <p:sldId id="301" r:id="rId9"/>
   </p:sldIdLst>
   <p:sldSz cx="9144000" cy="5143500" type="screen16x9"/>
   <p:notesSz cx="6858000" cy="9144000"/>
   <p:embeddedFontLst>
     <p:embeddedFont>
       <p:font typeface="Be Vietnam Pro Black" panose="020B0604020202020204" charset="0"/>
-      <p:bold r:id="rId8"/>
-      <p:boldItalic r:id="rId9"/>
+      <p:bold r:id="rId11"/>
+      <p:boldItalic r:id="rId12"/>
     </p:embeddedFont>
     <p:embeddedFont>
       <p:font typeface="Inter" panose="02000503000000020004" pitchFamily="2" charset="0"/>
-      <p:regular r:id="rId10"/>
-      <p:bold r:id="rId11"/>
-      <p:italic r:id="rId12"/>
-      <p:boldItalic r:id="rId13"/>
+      <p:regular r:id="rId13"/>
+      <p:bold r:id="rId14"/>
+      <p:italic r:id="rId15"/>
+      <p:boldItalic r:id="rId16"/>
     </p:embeddedFont>
     <p:embeddedFont>
       <p:font typeface="Inter SemiBold" panose="02000503000000020004" pitchFamily="2" charset="0"/>
-      <p:bold r:id="rId14"/>
+      <p:bold r:id="rId17"/>
     </p:embeddedFont>
     <p:embeddedFont>
       <p:font typeface="Raleway" pitchFamily="2" charset="0"/>
-      <p:regular r:id="rId15"/>
-      <p:bold r:id="rId16"/>
-      <p:italic r:id="rId17"/>
-      <p:boldItalic r:id="rId18"/>
+      <p:regular r:id="rId18"/>
+      <p:bold r:id="rId19"/>
+      <p:italic r:id="rId20"/>
+      <p:boldItalic r:id="rId21"/>
+    </p:embeddedFont>
+    <p:embeddedFont>
+      <p:font typeface="Roboto" panose="02000000000000000000" pitchFamily="2" charset="0"/>
+      <p:regular r:id="rId22"/>
     </p:embeddedFont>
   </p:embeddedFontLst>
   <p:defaultTextStyle>
@@ -270,15 +277,28 @@
       </a:defRPr>
     </a:lvl9pPr>
   </p:defaultTextStyle>
+  <p:extLst>
+    <p:ext uri="{EFAFB233-063F-42B5-8137-9DF3F51BA10A}">
+      <p15:sldGuideLst xmlns:p15="http://schemas.microsoft.com/office/powerpoint/2012/main"/>
+    </p:ext>
+  </p:extLst>
 </p:presentation>
+</file>
+
+<file path=ppt/revisionInfo.xml><?xml version="1.0" encoding="utf-8"?>
+<p1510:revInfo xmlns:a="http://schemas.openxmlformats.org/drawingml/2006/main" xmlns:r="http://schemas.openxmlformats.org/officeDocument/2006/relationships" xmlns:p1510="http://schemas.microsoft.com/office/powerpoint/2015/10/main">
+  <p1510:revLst>
+    <p1510:client id="{0DB59136-6DDE-4F64-8DFA-10FFEB42582B}" v="12" dt="2024-11-27T23:36:38.692"/>
+  </p1510:revLst>
+</p1510:revInfo>
 </file>
 
 <file path=ppt/changesInfos/changesInfo1.xml><?xml version="1.0" encoding="utf-8"?>
 <pc:chgInfo xmlns:a="http://schemas.openxmlformats.org/drawingml/2006/main" xmlns:r="http://schemas.openxmlformats.org/officeDocument/2006/relationships" xmlns:ac="http://schemas.microsoft.com/office/drawing/2013/main/command" xmlns:pc="http://schemas.microsoft.com/office/powerpoint/2013/main/command">
   <pc:docChgLst>
     <pc:chgData name="Gabriel Silva" userId="db57819f95dc0ac9" providerId="LiveId" clId="{0DB59136-6DDE-4F64-8DFA-10FFEB42582B}"/>
-    <pc:docChg chg="modSld">
-      <pc:chgData name="Gabriel Silva" userId="db57819f95dc0ac9" providerId="LiveId" clId="{0DB59136-6DDE-4F64-8DFA-10FFEB42582B}" dt="2024-11-27T02:26:05.190" v="1" actId="207"/>
+    <pc:docChg chg="undo custSel addSld modSld sldOrd">
+      <pc:chgData name="Gabriel Silva" userId="db57819f95dc0ac9" providerId="LiveId" clId="{0DB59136-6DDE-4F64-8DFA-10FFEB42582B}" dt="2024-11-27T23:37:52.400" v="268"/>
       <pc:docMkLst>
         <pc:docMk/>
       </pc:docMkLst>
@@ -302,6 +322,146 @@
             <pc:docMk/>
             <pc:sldMk cId="2279279275" sldId="299"/>
             <ac:spMk id="17" creationId="{C1C7C2DC-97DC-35EA-5E8D-D871E9D2F89F}"/>
+          </ac:spMkLst>
+        </pc:spChg>
+      </pc:sldChg>
+      <pc:sldChg chg="addSp delSp modSp mod">
+        <pc:chgData name="Gabriel Silva" userId="db57819f95dc0ac9" providerId="LiveId" clId="{0DB59136-6DDE-4F64-8DFA-10FFEB42582B}" dt="2024-11-27T23:29:15.908" v="98" actId="20577"/>
+        <pc:sldMkLst>
+          <pc:docMk/>
+          <pc:sldMk cId="1547860636" sldId="301"/>
+        </pc:sldMkLst>
+        <pc:spChg chg="add del mod">
+          <ac:chgData name="Gabriel Silva" userId="db57819f95dc0ac9" providerId="LiveId" clId="{0DB59136-6DDE-4F64-8DFA-10FFEB42582B}" dt="2024-11-27T23:28:58.048" v="85"/>
+          <ac:spMkLst>
+            <pc:docMk/>
+            <pc:sldMk cId="1547860636" sldId="301"/>
+            <ac:spMk id="7" creationId="{2653303A-4C2D-A76C-2A62-5A8AF7CCEB45}"/>
+          </ac:spMkLst>
+        </pc:spChg>
+        <pc:spChg chg="add mod">
+          <ac:chgData name="Gabriel Silva" userId="db57819f95dc0ac9" providerId="LiveId" clId="{0DB59136-6DDE-4F64-8DFA-10FFEB42582B}" dt="2024-11-27T23:29:15.908" v="98" actId="20577"/>
+          <ac:spMkLst>
+            <pc:docMk/>
+            <pc:sldMk cId="1547860636" sldId="301"/>
+            <ac:spMk id="9" creationId="{B2B20C32-D615-FEAB-CCBB-286EA8ED44AB}"/>
+          </ac:spMkLst>
+        </pc:spChg>
+        <pc:picChg chg="add mod">
+          <ac:chgData name="Gabriel Silva" userId="db57819f95dc0ac9" providerId="LiveId" clId="{0DB59136-6DDE-4F64-8DFA-10FFEB42582B}" dt="2024-11-27T23:28:44.531" v="78" actId="1076"/>
+          <ac:picMkLst>
+            <pc:docMk/>
+            <pc:sldMk cId="1547860636" sldId="301"/>
+            <ac:picMk id="3" creationId="{10CE725A-401D-C3D8-ADB7-C31306A0440E}"/>
+          </ac:picMkLst>
+        </pc:picChg>
+      </pc:sldChg>
+      <pc:sldChg chg="addSp delSp modSp add mod ord">
+        <pc:chgData name="Gabriel Silva" userId="db57819f95dc0ac9" providerId="LiveId" clId="{0DB59136-6DDE-4F64-8DFA-10FFEB42582B}" dt="2024-11-27T23:37:52.400" v="268"/>
+        <pc:sldMkLst>
+          <pc:docMk/>
+          <pc:sldMk cId="3916120387" sldId="302"/>
+        </pc:sldMkLst>
+        <pc:spChg chg="mod">
+          <ac:chgData name="Gabriel Silva" userId="db57819f95dc0ac9" providerId="LiveId" clId="{0DB59136-6DDE-4F64-8DFA-10FFEB42582B}" dt="2024-11-27T23:27:18.992" v="38" actId="1076"/>
+          <ac:spMkLst>
+            <pc:docMk/>
+            <pc:sldMk cId="3916120387" sldId="302"/>
+            <ac:spMk id="2" creationId="{83FA1DF3-9A60-6D92-1A8A-C07F63062DB2}"/>
+          </ac:spMkLst>
+        </pc:spChg>
+        <pc:spChg chg="add mod">
+          <ac:chgData name="Gabriel Silva" userId="db57819f95dc0ac9" providerId="LiveId" clId="{0DB59136-6DDE-4F64-8DFA-10FFEB42582B}" dt="2024-11-27T23:28:30.186" v="77" actId="1076"/>
+          <ac:spMkLst>
+            <pc:docMk/>
+            <pc:sldMk cId="3916120387" sldId="302"/>
+            <ac:spMk id="8" creationId="{461A58E3-FB65-3DDD-8B52-D261A317F1D9}"/>
+          </ac:spMkLst>
+        </pc:spChg>
+        <pc:spChg chg="add del mod">
+          <ac:chgData name="Gabriel Silva" userId="db57819f95dc0ac9" providerId="LiveId" clId="{0DB59136-6DDE-4F64-8DFA-10FFEB42582B}" dt="2024-11-27T23:29:07.720" v="87" actId="21"/>
+          <ac:spMkLst>
+            <pc:docMk/>
+            <pc:sldMk cId="3916120387" sldId="302"/>
+            <ac:spMk id="9" creationId="{B2B20C32-D615-FEAB-CCBB-286EA8ED44AB}"/>
+          </ac:spMkLst>
+        </pc:spChg>
+        <pc:picChg chg="add mod">
+          <ac:chgData name="Gabriel Silva" userId="db57819f95dc0ac9" providerId="LiveId" clId="{0DB59136-6DDE-4F64-8DFA-10FFEB42582B}" dt="2024-11-27T23:28:18.685" v="75" actId="1582"/>
+          <ac:picMkLst>
+            <pc:docMk/>
+            <pc:sldMk cId="3916120387" sldId="302"/>
+            <ac:picMk id="7" creationId="{FDF3D45F-C733-787E-4F42-6F9B7C2C7715}"/>
+          </ac:picMkLst>
+        </pc:picChg>
+      </pc:sldChg>
+      <pc:sldChg chg="addSp delSp modSp add mod">
+        <pc:chgData name="Gabriel Silva" userId="db57819f95dc0ac9" providerId="LiveId" clId="{0DB59136-6DDE-4F64-8DFA-10FFEB42582B}" dt="2024-11-27T23:36:17.702" v="252" actId="1076"/>
+        <pc:sldMkLst>
+          <pc:docMk/>
+          <pc:sldMk cId="576311433" sldId="303"/>
+        </pc:sldMkLst>
+        <pc:spChg chg="add del mod">
+          <ac:chgData name="Gabriel Silva" userId="db57819f95dc0ac9" providerId="LiveId" clId="{0DB59136-6DDE-4F64-8DFA-10FFEB42582B}" dt="2024-11-27T23:34:45.839" v="231" actId="21"/>
+          <ac:spMkLst>
+            <pc:docMk/>
+            <pc:sldMk cId="576311433" sldId="303"/>
+            <ac:spMk id="7" creationId="{C71863B4-4211-4941-BD6E-E4D5661E7790}"/>
+          </ac:spMkLst>
+        </pc:spChg>
+        <pc:spChg chg="add mod">
+          <ac:chgData name="Gabriel Silva" userId="db57819f95dc0ac9" providerId="LiveId" clId="{0DB59136-6DDE-4F64-8DFA-10FFEB42582B}" dt="2024-11-27T23:36:17.702" v="252" actId="1076"/>
+          <ac:spMkLst>
+            <pc:docMk/>
+            <pc:sldMk cId="576311433" sldId="303"/>
+            <ac:spMk id="10" creationId="{53928D9A-6873-3AA9-D251-DF019B6C1392}"/>
+          </ac:spMkLst>
+        </pc:spChg>
+        <pc:spChg chg="del mod">
+          <ac:chgData name="Gabriel Silva" userId="db57819f95dc0ac9" providerId="LiveId" clId="{0DB59136-6DDE-4F64-8DFA-10FFEB42582B}" dt="2024-11-27T23:31:38.602" v="211" actId="478"/>
+          <ac:spMkLst>
+            <pc:docMk/>
+            <pc:sldMk cId="576311433" sldId="303"/>
+            <ac:spMk id="16" creationId="{AFD63DAC-59E0-66B8-896B-4F3FCC6B7B6C}"/>
+          </ac:spMkLst>
+        </pc:spChg>
+        <pc:spChg chg="mod">
+          <ac:chgData name="Gabriel Silva" userId="db57819f95dc0ac9" providerId="LiveId" clId="{0DB59136-6DDE-4F64-8DFA-10FFEB42582B}" dt="2024-11-27T23:31:18.508" v="209" actId="1076"/>
+          <ac:spMkLst>
+            <pc:docMk/>
+            <pc:sldMk cId="576311433" sldId="303"/>
+            <ac:spMk id="17" creationId="{0A4A6F0C-7438-6F7C-8065-A072C8C8CBED}"/>
+          </ac:spMkLst>
+        </pc:spChg>
+        <pc:picChg chg="add mod">
+          <ac:chgData name="Gabriel Silva" userId="db57819f95dc0ac9" providerId="LiveId" clId="{0DB59136-6DDE-4F64-8DFA-10FFEB42582B}" dt="2024-11-27T23:35:51.385" v="245" actId="1076"/>
+          <ac:picMkLst>
+            <pc:docMk/>
+            <pc:sldMk cId="576311433" sldId="303"/>
+            <ac:picMk id="2" creationId="{F8611DF5-1CAF-67D4-36C5-0EF20641FE50}"/>
+          </ac:picMkLst>
+        </pc:picChg>
+        <pc:picChg chg="add mod">
+          <ac:chgData name="Gabriel Silva" userId="db57819f95dc0ac9" providerId="LiveId" clId="{0DB59136-6DDE-4F64-8DFA-10FFEB42582B}" dt="2024-11-27T23:35:52.102" v="247"/>
+          <ac:picMkLst>
+            <pc:docMk/>
+            <pc:sldMk cId="576311433" sldId="303"/>
+            <ac:picMk id="8" creationId="{1DACA8CD-FD9A-A5DE-71DC-2858962952FC}"/>
+          </ac:picMkLst>
+        </pc:picChg>
+      </pc:sldChg>
+      <pc:sldChg chg="modSp add mod ord">
+        <pc:chgData name="Gabriel Silva" userId="db57819f95dc0ac9" providerId="LiveId" clId="{0DB59136-6DDE-4F64-8DFA-10FFEB42582B}" dt="2024-11-27T23:36:50.498" v="266"/>
+        <pc:sldMkLst>
+          <pc:docMk/>
+          <pc:sldMk cId="2866700646" sldId="304"/>
+        </pc:sldMkLst>
+        <pc:spChg chg="mod">
+          <ac:chgData name="Gabriel Silva" userId="db57819f95dc0ac9" providerId="LiveId" clId="{0DB59136-6DDE-4F64-8DFA-10FFEB42582B}" dt="2024-11-27T23:36:46.732" v="264" actId="20577"/>
+          <ac:spMkLst>
+            <pc:docMk/>
+            <pc:sldMk cId="2866700646" sldId="304"/>
+            <ac:spMk id="2" creationId="{18F1941E-06FE-1DCB-5DC7-54295F6AF74B}"/>
           </ac:spMkLst>
         </pc:spChg>
       </pc:sldChg>
@@ -1117,6 +1277,133 @@
         <p:cNvPr id="1" name="Shape 1454">
           <a:extLst>
             <a:ext uri="{FF2B5EF4-FFF2-40B4-BE49-F238E27FC236}">
+              <a16:creationId xmlns:a16="http://schemas.microsoft.com/office/drawing/2014/main" id="{5258CDC1-F539-4E51-F271-5DD9828378B5}"/>
+            </a:ext>
+          </a:extLst>
+        </p:cNvPr>
+        <p:cNvGrpSpPr/>
+        <p:nvPr/>
+      </p:nvGrpSpPr>
+      <p:grpSpPr>
+        <a:xfrm>
+          <a:off x="0" y="0"/>
+          <a:ext cx="0" cy="0"/>
+          <a:chOff x="0" y="0"/>
+          <a:chExt cx="0" cy="0"/>
+        </a:xfrm>
+      </p:grpSpPr>
+      <p:sp>
+        <p:nvSpPr>
+          <p:cNvPr id="1455" name="Google Shape;1455;p:notes">
+            <a:extLst>
+              <a:ext uri="{FF2B5EF4-FFF2-40B4-BE49-F238E27FC236}">
+                <a16:creationId xmlns:a16="http://schemas.microsoft.com/office/drawing/2014/main" id="{B0CB8155-72B8-FBBC-2895-41F3BBEE49C1}"/>
+              </a:ext>
+            </a:extLst>
+          </p:cNvPr>
+          <p:cNvSpPr>
+            <a:spLocks noGrp="1" noRot="1" noChangeAspect="1"/>
+          </p:cNvSpPr>
+          <p:nvPr>
+            <p:ph type="sldImg" idx="2"/>
+          </p:nvPr>
+        </p:nvSpPr>
+        <p:spPr>
+          <a:xfrm>
+            <a:off x="381000" y="685800"/>
+            <a:ext cx="6096000" cy="3429000"/>
+          </a:xfrm>
+          <a:custGeom>
+            <a:avLst/>
+            <a:gdLst/>
+            <a:ahLst/>
+            <a:cxnLst/>
+            <a:rect l="l" t="t" r="r" b="b"/>
+            <a:pathLst>
+              <a:path w="120000" h="120000" extrusionOk="0">
+                <a:moveTo>
+                  <a:pt x="0" y="0"/>
+                </a:moveTo>
+                <a:lnTo>
+                  <a:pt x="120000" y="0"/>
+                </a:lnTo>
+                <a:lnTo>
+                  <a:pt x="120000" y="120000"/>
+                </a:lnTo>
+                <a:lnTo>
+                  <a:pt x="0" y="120000"/>
+                </a:lnTo>
+                <a:close/>
+              </a:path>
+            </a:pathLst>
+          </a:custGeom>
+        </p:spPr>
+      </p:sp>
+      <p:sp>
+        <p:nvSpPr>
+          <p:cNvPr id="1456" name="Google Shape;1456;p:notes">
+            <a:extLst>
+              <a:ext uri="{FF2B5EF4-FFF2-40B4-BE49-F238E27FC236}">
+                <a16:creationId xmlns:a16="http://schemas.microsoft.com/office/drawing/2014/main" id="{5C6797DD-58D7-932D-95FB-5F29444BDA23}"/>
+              </a:ext>
+            </a:extLst>
+          </p:cNvPr>
+          <p:cNvSpPr txBox="1">
+            <a:spLocks noGrp="1"/>
+          </p:cNvSpPr>
+          <p:nvPr>
+            <p:ph type="body" idx="1"/>
+          </p:nvPr>
+        </p:nvSpPr>
+        <p:spPr>
+          <a:xfrm>
+            <a:off x="685800" y="4343400"/>
+            <a:ext cx="5486400" cy="4114800"/>
+          </a:xfrm>
+          <a:prstGeom prst="rect">
+            <a:avLst/>
+          </a:prstGeom>
+        </p:spPr>
+        <p:txBody>
+          <a:bodyPr spcFirstLastPara="1" wrap="square" lIns="91425" tIns="91425" rIns="91425" bIns="91425" anchor="t" anchorCtr="0">
+            <a:noAutofit/>
+          </a:bodyPr>
+          <a:lstStyle/>
+          <a:p>
+            <a:pPr marL="0" lvl="0" indent="0" algn="l" rtl="0">
+              <a:spcBef>
+                <a:spcPts val="0"/>
+              </a:spcBef>
+              <a:spcAft>
+                <a:spcPts val="0"/>
+              </a:spcAft>
+              <a:buNone/>
+            </a:pPr>
+            <a:endParaRPr/>
+          </a:p>
+        </p:txBody>
+      </p:sp>
+    </p:spTree>
+    <p:extLst>
+      <p:ext uri="{BB962C8B-B14F-4D97-AF65-F5344CB8AC3E}">
+        <p14:creationId xmlns:p14="http://schemas.microsoft.com/office/powerpoint/2010/main" val="1758226514"/>
+      </p:ext>
+    </p:extLst>
+  </p:cSld>
+  <p:clrMapOvr>
+    <a:masterClrMapping/>
+  </p:clrMapOvr>
+</p:notes>
+</file>
+
+<file path=ppt/notesSlides/notesSlide5.xml><?xml version="1.0" encoding="utf-8"?>
+<p:notes xmlns:a="http://schemas.openxmlformats.org/drawingml/2006/main" xmlns:r="http://schemas.openxmlformats.org/officeDocument/2006/relationships" xmlns:p="http://schemas.openxmlformats.org/presentationml/2006/main" showMasterSp="0" showMasterPhAnim="0">
+  <p:cSld>
+    <p:spTree>
+      <p:nvGrpSpPr>
+        <p:cNvPr id="1" name="Shape 1454">
+          <a:extLst>
+            <a:ext uri="{FF2B5EF4-FFF2-40B4-BE49-F238E27FC236}">
               <a16:creationId xmlns:a16="http://schemas.microsoft.com/office/drawing/2014/main" id="{B2DC9DDE-1DB1-32A2-BE83-15B498ED9580}"/>
             </a:ext>
           </a:extLst>
@@ -1236,7 +1523,261 @@
 </p:notes>
 </file>
 
-<file path=ppt/notesSlides/notesSlide5.xml><?xml version="1.0" encoding="utf-8"?>
+<file path=ppt/notesSlides/notesSlide6.xml><?xml version="1.0" encoding="utf-8"?>
+<p:notes xmlns:a="http://schemas.openxmlformats.org/drawingml/2006/main" xmlns:r="http://schemas.openxmlformats.org/officeDocument/2006/relationships" xmlns:p="http://schemas.openxmlformats.org/presentationml/2006/main" showMasterSp="0" showMasterPhAnim="0">
+  <p:cSld>
+    <p:spTree>
+      <p:nvGrpSpPr>
+        <p:cNvPr id="1" name="Shape 1454">
+          <a:extLst>
+            <a:ext uri="{FF2B5EF4-FFF2-40B4-BE49-F238E27FC236}">
+              <a16:creationId xmlns:a16="http://schemas.microsoft.com/office/drawing/2014/main" id="{8102CD3E-43B3-BD9D-2245-E153A744A5F5}"/>
+            </a:ext>
+          </a:extLst>
+        </p:cNvPr>
+        <p:cNvGrpSpPr/>
+        <p:nvPr/>
+      </p:nvGrpSpPr>
+      <p:grpSpPr>
+        <a:xfrm>
+          <a:off x="0" y="0"/>
+          <a:ext cx="0" cy="0"/>
+          <a:chOff x="0" y="0"/>
+          <a:chExt cx="0" cy="0"/>
+        </a:xfrm>
+      </p:grpSpPr>
+      <p:sp>
+        <p:nvSpPr>
+          <p:cNvPr id="1455" name="Google Shape;1455;p:notes">
+            <a:extLst>
+              <a:ext uri="{FF2B5EF4-FFF2-40B4-BE49-F238E27FC236}">
+                <a16:creationId xmlns:a16="http://schemas.microsoft.com/office/drawing/2014/main" id="{A048EC37-3B9D-1476-161F-FBD133BED998}"/>
+              </a:ext>
+            </a:extLst>
+          </p:cNvPr>
+          <p:cNvSpPr>
+            <a:spLocks noGrp="1" noRot="1" noChangeAspect="1"/>
+          </p:cNvSpPr>
+          <p:nvPr>
+            <p:ph type="sldImg" idx="2"/>
+          </p:nvPr>
+        </p:nvSpPr>
+        <p:spPr>
+          <a:xfrm>
+            <a:off x="381000" y="685800"/>
+            <a:ext cx="6096000" cy="3429000"/>
+          </a:xfrm>
+          <a:custGeom>
+            <a:avLst/>
+            <a:gdLst/>
+            <a:ahLst/>
+            <a:cxnLst/>
+            <a:rect l="l" t="t" r="r" b="b"/>
+            <a:pathLst>
+              <a:path w="120000" h="120000" extrusionOk="0">
+                <a:moveTo>
+                  <a:pt x="0" y="0"/>
+                </a:moveTo>
+                <a:lnTo>
+                  <a:pt x="120000" y="0"/>
+                </a:lnTo>
+                <a:lnTo>
+                  <a:pt x="120000" y="120000"/>
+                </a:lnTo>
+                <a:lnTo>
+                  <a:pt x="0" y="120000"/>
+                </a:lnTo>
+                <a:close/>
+              </a:path>
+            </a:pathLst>
+          </a:custGeom>
+        </p:spPr>
+      </p:sp>
+      <p:sp>
+        <p:nvSpPr>
+          <p:cNvPr id="1456" name="Google Shape;1456;p:notes">
+            <a:extLst>
+              <a:ext uri="{FF2B5EF4-FFF2-40B4-BE49-F238E27FC236}">
+                <a16:creationId xmlns:a16="http://schemas.microsoft.com/office/drawing/2014/main" id="{E60E0986-CF29-E418-194D-DE9FC39A940F}"/>
+              </a:ext>
+            </a:extLst>
+          </p:cNvPr>
+          <p:cNvSpPr txBox="1">
+            <a:spLocks noGrp="1"/>
+          </p:cNvSpPr>
+          <p:nvPr>
+            <p:ph type="body" idx="1"/>
+          </p:nvPr>
+        </p:nvSpPr>
+        <p:spPr>
+          <a:xfrm>
+            <a:off x="685800" y="4343400"/>
+            <a:ext cx="5486400" cy="4114800"/>
+          </a:xfrm>
+          <a:prstGeom prst="rect">
+            <a:avLst/>
+          </a:prstGeom>
+        </p:spPr>
+        <p:txBody>
+          <a:bodyPr spcFirstLastPara="1" wrap="square" lIns="91425" tIns="91425" rIns="91425" bIns="91425" anchor="t" anchorCtr="0">
+            <a:noAutofit/>
+          </a:bodyPr>
+          <a:lstStyle/>
+          <a:p>
+            <a:pPr marL="0" lvl="0" indent="0" algn="l" rtl="0">
+              <a:spcBef>
+                <a:spcPts val="0"/>
+              </a:spcBef>
+              <a:spcAft>
+                <a:spcPts val="0"/>
+              </a:spcAft>
+              <a:buNone/>
+            </a:pPr>
+            <a:endParaRPr/>
+          </a:p>
+        </p:txBody>
+      </p:sp>
+    </p:spTree>
+    <p:extLst>
+      <p:ext uri="{BB962C8B-B14F-4D97-AF65-F5344CB8AC3E}">
+        <p14:creationId xmlns:p14="http://schemas.microsoft.com/office/powerpoint/2010/main" val="2362891824"/>
+      </p:ext>
+    </p:extLst>
+  </p:cSld>
+  <p:clrMapOvr>
+    <a:masterClrMapping/>
+  </p:clrMapOvr>
+</p:notes>
+</file>
+
+<file path=ppt/notesSlides/notesSlide7.xml><?xml version="1.0" encoding="utf-8"?>
+<p:notes xmlns:a="http://schemas.openxmlformats.org/drawingml/2006/main" xmlns:r="http://schemas.openxmlformats.org/officeDocument/2006/relationships" xmlns:p="http://schemas.openxmlformats.org/presentationml/2006/main" showMasterSp="0" showMasterPhAnim="0">
+  <p:cSld>
+    <p:spTree>
+      <p:nvGrpSpPr>
+        <p:cNvPr id="1" name="Shape 1454">
+          <a:extLst>
+            <a:ext uri="{FF2B5EF4-FFF2-40B4-BE49-F238E27FC236}">
+              <a16:creationId xmlns:a16="http://schemas.microsoft.com/office/drawing/2014/main" id="{A67248DD-4349-9C0F-E664-582AB3E42C43}"/>
+            </a:ext>
+          </a:extLst>
+        </p:cNvPr>
+        <p:cNvGrpSpPr/>
+        <p:nvPr/>
+      </p:nvGrpSpPr>
+      <p:grpSpPr>
+        <a:xfrm>
+          <a:off x="0" y="0"/>
+          <a:ext cx="0" cy="0"/>
+          <a:chOff x="0" y="0"/>
+          <a:chExt cx="0" cy="0"/>
+        </a:xfrm>
+      </p:grpSpPr>
+      <p:sp>
+        <p:nvSpPr>
+          <p:cNvPr id="1455" name="Google Shape;1455;p:notes">
+            <a:extLst>
+              <a:ext uri="{FF2B5EF4-FFF2-40B4-BE49-F238E27FC236}">
+                <a16:creationId xmlns:a16="http://schemas.microsoft.com/office/drawing/2014/main" id="{F44EE1AD-DE16-E037-C42D-4F67FEFF98DB}"/>
+              </a:ext>
+            </a:extLst>
+          </p:cNvPr>
+          <p:cNvSpPr>
+            <a:spLocks noGrp="1" noRot="1" noChangeAspect="1"/>
+          </p:cNvSpPr>
+          <p:nvPr>
+            <p:ph type="sldImg" idx="2"/>
+          </p:nvPr>
+        </p:nvSpPr>
+        <p:spPr>
+          <a:xfrm>
+            <a:off x="381000" y="685800"/>
+            <a:ext cx="6096000" cy="3429000"/>
+          </a:xfrm>
+          <a:custGeom>
+            <a:avLst/>
+            <a:gdLst/>
+            <a:ahLst/>
+            <a:cxnLst/>
+            <a:rect l="l" t="t" r="r" b="b"/>
+            <a:pathLst>
+              <a:path w="120000" h="120000" extrusionOk="0">
+                <a:moveTo>
+                  <a:pt x="0" y="0"/>
+                </a:moveTo>
+                <a:lnTo>
+                  <a:pt x="120000" y="0"/>
+                </a:lnTo>
+                <a:lnTo>
+                  <a:pt x="120000" y="120000"/>
+                </a:lnTo>
+                <a:lnTo>
+                  <a:pt x="0" y="120000"/>
+                </a:lnTo>
+                <a:close/>
+              </a:path>
+            </a:pathLst>
+          </a:custGeom>
+        </p:spPr>
+      </p:sp>
+      <p:sp>
+        <p:nvSpPr>
+          <p:cNvPr id="1456" name="Google Shape;1456;p:notes">
+            <a:extLst>
+              <a:ext uri="{FF2B5EF4-FFF2-40B4-BE49-F238E27FC236}">
+                <a16:creationId xmlns:a16="http://schemas.microsoft.com/office/drawing/2014/main" id="{0C782B34-CE50-C605-2311-80FCE970E7E4}"/>
+              </a:ext>
+            </a:extLst>
+          </p:cNvPr>
+          <p:cNvSpPr txBox="1">
+            <a:spLocks noGrp="1"/>
+          </p:cNvSpPr>
+          <p:nvPr>
+            <p:ph type="body" idx="1"/>
+          </p:nvPr>
+        </p:nvSpPr>
+        <p:spPr>
+          <a:xfrm>
+            <a:off x="685800" y="4343400"/>
+            <a:ext cx="5486400" cy="4114800"/>
+          </a:xfrm>
+          <a:prstGeom prst="rect">
+            <a:avLst/>
+          </a:prstGeom>
+        </p:spPr>
+        <p:txBody>
+          <a:bodyPr spcFirstLastPara="1" wrap="square" lIns="91425" tIns="91425" rIns="91425" bIns="91425" anchor="t" anchorCtr="0">
+            <a:noAutofit/>
+          </a:bodyPr>
+          <a:lstStyle/>
+          <a:p>
+            <a:pPr marL="0" lvl="0" indent="0" algn="l" rtl="0">
+              <a:spcBef>
+                <a:spcPts val="0"/>
+              </a:spcBef>
+              <a:spcAft>
+                <a:spcPts val="0"/>
+              </a:spcAft>
+              <a:buNone/>
+            </a:pPr>
+            <a:endParaRPr/>
+          </a:p>
+        </p:txBody>
+      </p:sp>
+    </p:spTree>
+    <p:extLst>
+      <p:ext uri="{BB962C8B-B14F-4D97-AF65-F5344CB8AC3E}">
+        <p14:creationId xmlns:p14="http://schemas.microsoft.com/office/powerpoint/2010/main" val="89231724"/>
+      </p:ext>
+    </p:extLst>
+  </p:cSld>
+  <p:clrMapOvr>
+    <a:masterClrMapping/>
+  </p:clrMapOvr>
+</p:notes>
+</file>
+
+<file path=ppt/notesSlides/notesSlide8.xml><?xml version="1.0" encoding="utf-8"?>
 <p:notes xmlns:a="http://schemas.openxmlformats.org/drawingml/2006/main" xmlns:r="http://schemas.openxmlformats.org/officeDocument/2006/relationships" xmlns:p="http://schemas.openxmlformats.org/presentationml/2006/main" showMasterSp="0" showMasterPhAnim="0">
   <p:cSld>
     <p:spTree>
@@ -52159,6 +52700,454 @@
         <p:cNvPr id="1" name="Shape 1457">
           <a:extLst>
             <a:ext uri="{FF2B5EF4-FFF2-40B4-BE49-F238E27FC236}">
+              <a16:creationId xmlns:a16="http://schemas.microsoft.com/office/drawing/2014/main" id="{35A2CB13-EF67-45C1-49B8-E2334836E1B3}"/>
+            </a:ext>
+          </a:extLst>
+        </p:cNvPr>
+        <p:cNvGrpSpPr/>
+        <p:nvPr/>
+      </p:nvGrpSpPr>
+      <p:grpSpPr>
+        <a:xfrm>
+          <a:off x="0" y="0"/>
+          <a:ext cx="0" cy="0"/>
+          <a:chOff x="0" y="0"/>
+          <a:chExt cx="0" cy="0"/>
+        </a:xfrm>
+      </p:grpSpPr>
+      <p:sp>
+        <p:nvSpPr>
+          <p:cNvPr id="12" name="Retângulo 11">
+            <a:extLst>
+              <a:ext uri="{FF2B5EF4-FFF2-40B4-BE49-F238E27FC236}">
+                <a16:creationId xmlns:a16="http://schemas.microsoft.com/office/drawing/2014/main" id="{4E643E06-F14C-4F4E-13BB-C96ED6AB0A16}"/>
+              </a:ext>
+            </a:extLst>
+          </p:cNvPr>
+          <p:cNvSpPr/>
+          <p:nvPr/>
+        </p:nvSpPr>
+        <p:spPr>
+          <a:xfrm>
+            <a:off x="0" y="4281054"/>
+            <a:ext cx="9144000" cy="862446"/>
+          </a:xfrm>
+          <a:prstGeom prst="rect">
+            <a:avLst/>
+          </a:prstGeom>
+          <a:solidFill>
+            <a:schemeClr val="bg2"/>
+          </a:solidFill>
+          <a:ln>
+            <a:noFill/>
+          </a:ln>
+        </p:spPr>
+        <p:style>
+          <a:lnRef idx="2">
+            <a:schemeClr val="accent1">
+              <a:shade val="15000"/>
+            </a:schemeClr>
+          </a:lnRef>
+          <a:fillRef idx="1">
+            <a:schemeClr val="accent1"/>
+          </a:fillRef>
+          <a:effectRef idx="0">
+            <a:schemeClr val="accent1"/>
+          </a:effectRef>
+          <a:fontRef idx="minor">
+            <a:schemeClr val="lt1"/>
+          </a:fontRef>
+        </p:style>
+        <p:txBody>
+          <a:bodyPr rtlCol="0" anchor="ctr"/>
+          <a:lstStyle/>
+          <a:p>
+            <a:pPr algn="ctr"/>
+            <a:endParaRPr lang="pt-BR"/>
+          </a:p>
+        </p:txBody>
+      </p:sp>
+      <p:sp>
+        <p:nvSpPr>
+          <p:cNvPr id="4" name="Retângulo 3">
+            <a:extLst>
+              <a:ext uri="{FF2B5EF4-FFF2-40B4-BE49-F238E27FC236}">
+                <a16:creationId xmlns:a16="http://schemas.microsoft.com/office/drawing/2014/main" id="{EFF87356-C988-B45E-9986-156344268645}"/>
+              </a:ext>
+            </a:extLst>
+          </p:cNvPr>
+          <p:cNvSpPr/>
+          <p:nvPr/>
+        </p:nvSpPr>
+        <p:spPr>
+          <a:xfrm>
+            <a:off x="0" y="0"/>
+            <a:ext cx="1205345" cy="644236"/>
+          </a:xfrm>
+          <a:prstGeom prst="rect">
+            <a:avLst/>
+          </a:prstGeom>
+          <a:solidFill>
+            <a:schemeClr val="bg2"/>
+          </a:solidFill>
+          <a:ln>
+            <a:noFill/>
+          </a:ln>
+        </p:spPr>
+        <p:style>
+          <a:lnRef idx="2">
+            <a:schemeClr val="accent1">
+              <a:shade val="15000"/>
+            </a:schemeClr>
+          </a:lnRef>
+          <a:fillRef idx="1">
+            <a:schemeClr val="accent1"/>
+          </a:fillRef>
+          <a:effectRef idx="0">
+            <a:schemeClr val="accent1"/>
+          </a:effectRef>
+          <a:fontRef idx="minor">
+            <a:schemeClr val="lt1"/>
+          </a:fontRef>
+        </p:style>
+        <p:txBody>
+          <a:bodyPr rtlCol="0" anchor="ctr"/>
+          <a:lstStyle/>
+          <a:p>
+            <a:pPr algn="ctr"/>
+            <a:endParaRPr lang="pt-BR"/>
+          </a:p>
+        </p:txBody>
+      </p:sp>
+      <p:sp>
+        <p:nvSpPr>
+          <p:cNvPr id="5" name="Retângulo 4">
+            <a:extLst>
+              <a:ext uri="{FF2B5EF4-FFF2-40B4-BE49-F238E27FC236}">
+                <a16:creationId xmlns:a16="http://schemas.microsoft.com/office/drawing/2014/main" id="{687CE731-5056-181E-4F58-A543571B6920}"/>
+              </a:ext>
+            </a:extLst>
+          </p:cNvPr>
+          <p:cNvSpPr/>
+          <p:nvPr/>
+        </p:nvSpPr>
+        <p:spPr>
+          <a:xfrm>
+            <a:off x="7620000" y="0"/>
+            <a:ext cx="1524000" cy="644236"/>
+          </a:xfrm>
+          <a:prstGeom prst="rect">
+            <a:avLst/>
+          </a:prstGeom>
+          <a:solidFill>
+            <a:schemeClr val="bg2"/>
+          </a:solidFill>
+          <a:ln>
+            <a:noFill/>
+          </a:ln>
+        </p:spPr>
+        <p:style>
+          <a:lnRef idx="2">
+            <a:schemeClr val="accent1">
+              <a:shade val="15000"/>
+            </a:schemeClr>
+          </a:lnRef>
+          <a:fillRef idx="1">
+            <a:schemeClr val="accent1"/>
+          </a:fillRef>
+          <a:effectRef idx="0">
+            <a:schemeClr val="accent1"/>
+          </a:effectRef>
+          <a:fontRef idx="minor">
+            <a:schemeClr val="lt1"/>
+          </a:fontRef>
+        </p:style>
+        <p:txBody>
+          <a:bodyPr rtlCol="0" anchor="ctr"/>
+          <a:lstStyle/>
+          <a:p>
+            <a:pPr algn="ctr"/>
+            <a:endParaRPr lang="pt-BR"/>
+          </a:p>
+        </p:txBody>
+      </p:sp>
+      <p:sp>
+        <p:nvSpPr>
+          <p:cNvPr id="6" name="Retângulo 5">
+            <a:extLst>
+              <a:ext uri="{FF2B5EF4-FFF2-40B4-BE49-F238E27FC236}">
+                <a16:creationId xmlns:a16="http://schemas.microsoft.com/office/drawing/2014/main" id="{25488998-EAC8-6CAC-63D7-C7ABCDBEBADC}"/>
+              </a:ext>
+            </a:extLst>
+          </p:cNvPr>
+          <p:cNvSpPr/>
+          <p:nvPr/>
+        </p:nvSpPr>
+        <p:spPr>
+          <a:xfrm>
+            <a:off x="152400" y="152400"/>
+            <a:ext cx="1205345" cy="644236"/>
+          </a:xfrm>
+          <a:prstGeom prst="rect">
+            <a:avLst/>
+          </a:prstGeom>
+          <a:solidFill>
+            <a:schemeClr val="bg2"/>
+          </a:solidFill>
+          <a:ln>
+            <a:noFill/>
+          </a:ln>
+        </p:spPr>
+        <p:style>
+          <a:lnRef idx="2">
+            <a:schemeClr val="accent1">
+              <a:shade val="15000"/>
+            </a:schemeClr>
+          </a:lnRef>
+          <a:fillRef idx="1">
+            <a:schemeClr val="accent1"/>
+          </a:fillRef>
+          <a:effectRef idx="0">
+            <a:schemeClr val="accent1"/>
+          </a:effectRef>
+          <a:fontRef idx="minor">
+            <a:schemeClr val="lt1"/>
+          </a:fontRef>
+        </p:style>
+        <p:txBody>
+          <a:bodyPr rtlCol="0" anchor="ctr"/>
+          <a:lstStyle/>
+          <a:p>
+            <a:pPr algn="ctr"/>
+            <a:endParaRPr lang="pt-BR"/>
+          </a:p>
+        </p:txBody>
+      </p:sp>
+      <p:sp>
+        <p:nvSpPr>
+          <p:cNvPr id="13" name="Retângulo 12">
+            <a:extLst>
+              <a:ext uri="{FF2B5EF4-FFF2-40B4-BE49-F238E27FC236}">
+                <a16:creationId xmlns:a16="http://schemas.microsoft.com/office/drawing/2014/main" id="{77E5B6ED-AACB-FC9D-6B5C-38B7D62F3AD8}"/>
+              </a:ext>
+            </a:extLst>
+          </p:cNvPr>
+          <p:cNvSpPr/>
+          <p:nvPr/>
+        </p:nvSpPr>
+        <p:spPr>
+          <a:xfrm>
+            <a:off x="304800" y="304800"/>
+            <a:ext cx="1205345" cy="644236"/>
+          </a:xfrm>
+          <a:prstGeom prst="rect">
+            <a:avLst/>
+          </a:prstGeom>
+          <a:solidFill>
+            <a:schemeClr val="bg2"/>
+          </a:solidFill>
+          <a:ln>
+            <a:noFill/>
+          </a:ln>
+        </p:spPr>
+        <p:style>
+          <a:lnRef idx="2">
+            <a:schemeClr val="accent1">
+              <a:shade val="15000"/>
+            </a:schemeClr>
+          </a:lnRef>
+          <a:fillRef idx="1">
+            <a:schemeClr val="accent1"/>
+          </a:fillRef>
+          <a:effectRef idx="0">
+            <a:schemeClr val="accent1"/>
+          </a:effectRef>
+          <a:fontRef idx="minor">
+            <a:schemeClr val="lt1"/>
+          </a:fontRef>
+        </p:style>
+        <p:txBody>
+          <a:bodyPr rtlCol="0" anchor="ctr"/>
+          <a:lstStyle/>
+          <a:p>
+            <a:pPr algn="ctr"/>
+            <a:endParaRPr lang="pt-BR"/>
+          </a:p>
+        </p:txBody>
+      </p:sp>
+      <p:sp>
+        <p:nvSpPr>
+          <p:cNvPr id="17" name="CaixaDeTexto 16">
+            <a:extLst>
+              <a:ext uri="{FF2B5EF4-FFF2-40B4-BE49-F238E27FC236}">
+                <a16:creationId xmlns:a16="http://schemas.microsoft.com/office/drawing/2014/main" id="{0A4A6F0C-7438-6F7C-8065-A072C8C8CBED}"/>
+              </a:ext>
+            </a:extLst>
+          </p:cNvPr>
+          <p:cNvSpPr txBox="1"/>
+          <p:nvPr/>
+        </p:nvSpPr>
+        <p:spPr>
+          <a:xfrm>
+            <a:off x="316840" y="658091"/>
+            <a:ext cx="8191666" cy="1200329"/>
+          </a:xfrm>
+          <a:prstGeom prst="rect">
+            <a:avLst/>
+          </a:prstGeom>
+          <a:noFill/>
+        </p:spPr>
+        <p:txBody>
+          <a:bodyPr wrap="none" rtlCol="0">
+            <a:spAutoFit/>
+          </a:bodyPr>
+          <a:lstStyle/>
+          <a:p>
+            <a:pPr algn="ctr"/>
+            <a:r>
+              <a:rPr lang="pt-BR" sz="2400" dirty="0">
+                <a:solidFill>
+                  <a:srgbClr val="2066B8"/>
+                </a:solidFill>
+                <a:latin typeface="Be Vietnam Pro Black" panose="020B0604020202020204" charset="0"/>
+              </a:rPr>
+              <a:t>OBJETIVO DE DESENVOLVIMENTO SUSTENTÁVEL</a:t>
+            </a:r>
+          </a:p>
+          <a:p>
+            <a:pPr algn="ctr"/>
+            <a:r>
+              <a:rPr lang="pt-BR" sz="2400" dirty="0">
+                <a:solidFill>
+                  <a:srgbClr val="2066B8"/>
+                </a:solidFill>
+                <a:latin typeface="Be Vietnam Pro Black" panose="020B0604020202020204" charset="0"/>
+              </a:rPr>
+              <a:t>DA</a:t>
+            </a:r>
+          </a:p>
+          <a:p>
+            <a:pPr algn="ctr"/>
+            <a:r>
+              <a:rPr lang="pt-BR" sz="2400" dirty="0">
+                <a:solidFill>
+                  <a:srgbClr val="2066B8"/>
+                </a:solidFill>
+                <a:latin typeface="Be Vietnam Pro Black" panose="020B0604020202020204" charset="0"/>
+              </a:rPr>
+              <a:t>ONU</a:t>
+            </a:r>
+          </a:p>
+        </p:txBody>
+      </p:sp>
+      <p:pic>
+        <p:nvPicPr>
+          <p:cNvPr id="2" name="Imagem 1">
+            <a:extLst>
+              <a:ext uri="{FF2B5EF4-FFF2-40B4-BE49-F238E27FC236}">
+                <a16:creationId xmlns:a16="http://schemas.microsoft.com/office/drawing/2014/main" id="{F8611DF5-1CAF-67D4-36C5-0EF20641FE50}"/>
+              </a:ext>
+            </a:extLst>
+          </p:cNvPr>
+          <p:cNvPicPr>
+            <a:picLocks noChangeAspect="1"/>
+          </p:cNvPicPr>
+          <p:nvPr/>
+        </p:nvPicPr>
+        <p:blipFill>
+          <a:blip r:embed="rId3">
+            <a:extLst>
+              <a:ext uri="{28A0092B-C50C-407E-A947-70E740481C1C}">
+                <a14:useLocalDpi xmlns:a14="http://schemas.microsoft.com/office/drawing/2010/main" val="0"/>
+              </a:ext>
+            </a:extLst>
+          </a:blip>
+          <a:srcRect/>
+          <a:stretch/>
+        </p:blipFill>
+        <p:spPr>
+          <a:xfrm>
+            <a:off x="1119188" y="2204857"/>
+            <a:ext cx="2028825" cy="2028825"/>
+          </a:xfrm>
+          <a:prstGeom prst="rect">
+            <a:avLst/>
+          </a:prstGeom>
+          <a:ln>
+            <a:noFill/>
+          </a:ln>
+          <a:effectLst>
+            <a:outerShdw blurRad="292100" dist="139700" dir="2700000" algn="tl" rotWithShape="0">
+              <a:srgbClr val="333333">
+                <a:alpha val="65000"/>
+              </a:srgbClr>
+            </a:outerShdw>
+          </a:effectLst>
+        </p:spPr>
+      </p:pic>
+      <p:sp>
+        <p:nvSpPr>
+          <p:cNvPr id="10" name="CaixaDeTexto 9">
+            <a:extLst>
+              <a:ext uri="{FF2B5EF4-FFF2-40B4-BE49-F238E27FC236}">
+                <a16:creationId xmlns:a16="http://schemas.microsoft.com/office/drawing/2014/main" id="{53928D9A-6873-3AA9-D251-DF019B6C1392}"/>
+              </a:ext>
+            </a:extLst>
+          </p:cNvPr>
+          <p:cNvSpPr txBox="1"/>
+          <p:nvPr/>
+        </p:nvSpPr>
+        <p:spPr>
+          <a:xfrm>
+            <a:off x="3926116" y="2849937"/>
+            <a:ext cx="4582390" cy="738664"/>
+          </a:xfrm>
+          <a:prstGeom prst="rect">
+            <a:avLst/>
+          </a:prstGeom>
+          <a:noFill/>
+        </p:spPr>
+        <p:txBody>
+          <a:bodyPr wrap="square">
+            <a:spAutoFit/>
+          </a:bodyPr>
+          <a:lstStyle/>
+          <a:p>
+            <a:r>
+              <a:rPr lang="pt-BR" b="1" i="0" dirty="0">
+                <a:solidFill>
+                  <a:srgbClr val="000000"/>
+                </a:solidFill>
+                <a:effectLst/>
+                <a:latin typeface="Roboto" panose="02000000000000000000" pitchFamily="2" charset="0"/>
+              </a:rPr>
+              <a:t>Assegurar a educação inclusiva e equitativa e de qualidade, e promover oportunidades de aprendizagem ao longo da vida para todas e todos</a:t>
+            </a:r>
+            <a:endParaRPr lang="pt-BR" dirty="0"/>
+          </a:p>
+        </p:txBody>
+      </p:sp>
+    </p:spTree>
+    <p:extLst>
+      <p:ext uri="{BB962C8B-B14F-4D97-AF65-F5344CB8AC3E}">
+        <p14:creationId xmlns:p14="http://schemas.microsoft.com/office/powerpoint/2010/main" val="576311433"/>
+      </p:ext>
+    </p:extLst>
+  </p:cSld>
+  <p:clrMapOvr>
+    <a:masterClrMapping/>
+  </p:clrMapOvr>
+</p:sld>
+</file>
+
+<file path=ppt/slides/slide5.xml><?xml version="1.0" encoding="utf-8"?>
+<p:sld xmlns:a="http://schemas.openxmlformats.org/drawingml/2006/main" xmlns:r="http://schemas.openxmlformats.org/officeDocument/2006/relationships" xmlns:p="http://schemas.openxmlformats.org/presentationml/2006/main">
+  <p:cSld>
+    <p:spTree>
+      <p:nvGrpSpPr>
+        <p:cNvPr id="1" name="Shape 1457">
+          <a:extLst>
+            <a:ext uri="{FF2B5EF4-FFF2-40B4-BE49-F238E27FC236}">
               <a16:creationId xmlns:a16="http://schemas.microsoft.com/office/drawing/2014/main" id="{E51BA153-A47F-0357-EFFF-46C18D57FCC2}"/>
             </a:ext>
           </a:extLst>
@@ -52499,7 +53488,1034 @@
 </p:sld>
 </file>
 
-<file path=ppt/slides/slide5.xml><?xml version="1.0" encoding="utf-8"?>
+<file path=ppt/slides/slide6.xml><?xml version="1.0" encoding="utf-8"?>
+<p:sld xmlns:a="http://schemas.openxmlformats.org/drawingml/2006/main" xmlns:r="http://schemas.openxmlformats.org/officeDocument/2006/relationships" xmlns:p="http://schemas.openxmlformats.org/presentationml/2006/main">
+  <p:cSld>
+    <p:spTree>
+      <p:nvGrpSpPr>
+        <p:cNvPr id="1" name="Shape 1457">
+          <a:extLst>
+            <a:ext uri="{FF2B5EF4-FFF2-40B4-BE49-F238E27FC236}">
+              <a16:creationId xmlns:a16="http://schemas.microsoft.com/office/drawing/2014/main" id="{FD2A1B4C-4471-8E89-E96D-0CA620529C2A}"/>
+            </a:ext>
+          </a:extLst>
+        </p:cNvPr>
+        <p:cNvGrpSpPr/>
+        <p:nvPr/>
+      </p:nvGrpSpPr>
+      <p:grpSpPr>
+        <a:xfrm>
+          <a:off x="0" y="0"/>
+          <a:ext cx="0" cy="0"/>
+          <a:chOff x="0" y="0"/>
+          <a:chExt cx="0" cy="0"/>
+        </a:xfrm>
+      </p:grpSpPr>
+      <p:sp>
+        <p:nvSpPr>
+          <p:cNvPr id="12" name="Retângulo 11">
+            <a:extLst>
+              <a:ext uri="{FF2B5EF4-FFF2-40B4-BE49-F238E27FC236}">
+                <a16:creationId xmlns:a16="http://schemas.microsoft.com/office/drawing/2014/main" id="{C9383E69-8C49-0DB7-1536-C2A6D055FE3E}"/>
+              </a:ext>
+            </a:extLst>
+          </p:cNvPr>
+          <p:cNvSpPr/>
+          <p:nvPr/>
+        </p:nvSpPr>
+        <p:spPr>
+          <a:xfrm>
+            <a:off x="0" y="4281054"/>
+            <a:ext cx="9144000" cy="862446"/>
+          </a:xfrm>
+          <a:prstGeom prst="rect">
+            <a:avLst/>
+          </a:prstGeom>
+          <a:solidFill>
+            <a:schemeClr val="bg2"/>
+          </a:solidFill>
+          <a:ln>
+            <a:noFill/>
+          </a:ln>
+        </p:spPr>
+        <p:style>
+          <a:lnRef idx="2">
+            <a:schemeClr val="accent1">
+              <a:shade val="15000"/>
+            </a:schemeClr>
+          </a:lnRef>
+          <a:fillRef idx="1">
+            <a:schemeClr val="accent1"/>
+          </a:fillRef>
+          <a:effectRef idx="0">
+            <a:schemeClr val="accent1"/>
+          </a:effectRef>
+          <a:fontRef idx="minor">
+            <a:schemeClr val="lt1"/>
+          </a:fontRef>
+        </p:style>
+        <p:txBody>
+          <a:bodyPr rtlCol="0" anchor="ctr"/>
+          <a:lstStyle/>
+          <a:p>
+            <a:pPr algn="ctr"/>
+            <a:endParaRPr lang="pt-BR"/>
+          </a:p>
+        </p:txBody>
+      </p:sp>
+      <p:sp>
+        <p:nvSpPr>
+          <p:cNvPr id="4" name="Retângulo 3">
+            <a:extLst>
+              <a:ext uri="{FF2B5EF4-FFF2-40B4-BE49-F238E27FC236}">
+                <a16:creationId xmlns:a16="http://schemas.microsoft.com/office/drawing/2014/main" id="{8D8BD81A-891C-6FFD-7F6F-E5926DA0DA68}"/>
+              </a:ext>
+            </a:extLst>
+          </p:cNvPr>
+          <p:cNvSpPr/>
+          <p:nvPr/>
+        </p:nvSpPr>
+        <p:spPr>
+          <a:xfrm>
+            <a:off x="0" y="0"/>
+            <a:ext cx="1205345" cy="644236"/>
+          </a:xfrm>
+          <a:prstGeom prst="rect">
+            <a:avLst/>
+          </a:prstGeom>
+          <a:solidFill>
+            <a:schemeClr val="bg2"/>
+          </a:solidFill>
+          <a:ln>
+            <a:noFill/>
+          </a:ln>
+        </p:spPr>
+        <p:style>
+          <a:lnRef idx="2">
+            <a:schemeClr val="accent1">
+              <a:shade val="15000"/>
+            </a:schemeClr>
+          </a:lnRef>
+          <a:fillRef idx="1">
+            <a:schemeClr val="accent1"/>
+          </a:fillRef>
+          <a:effectRef idx="0">
+            <a:schemeClr val="accent1"/>
+          </a:effectRef>
+          <a:fontRef idx="minor">
+            <a:schemeClr val="lt1"/>
+          </a:fontRef>
+        </p:style>
+        <p:txBody>
+          <a:bodyPr rtlCol="0" anchor="ctr"/>
+          <a:lstStyle/>
+          <a:p>
+            <a:pPr algn="ctr"/>
+            <a:endParaRPr lang="pt-BR"/>
+          </a:p>
+        </p:txBody>
+      </p:sp>
+      <p:sp>
+        <p:nvSpPr>
+          <p:cNvPr id="5" name="Retângulo 4">
+            <a:extLst>
+              <a:ext uri="{FF2B5EF4-FFF2-40B4-BE49-F238E27FC236}">
+                <a16:creationId xmlns:a16="http://schemas.microsoft.com/office/drawing/2014/main" id="{85234370-3E58-EE07-F36A-7FAA95AE440F}"/>
+              </a:ext>
+            </a:extLst>
+          </p:cNvPr>
+          <p:cNvSpPr/>
+          <p:nvPr/>
+        </p:nvSpPr>
+        <p:spPr>
+          <a:xfrm>
+            <a:off x="7620000" y="0"/>
+            <a:ext cx="1524000" cy="644236"/>
+          </a:xfrm>
+          <a:prstGeom prst="rect">
+            <a:avLst/>
+          </a:prstGeom>
+          <a:solidFill>
+            <a:schemeClr val="bg2"/>
+          </a:solidFill>
+          <a:ln>
+            <a:noFill/>
+          </a:ln>
+        </p:spPr>
+        <p:style>
+          <a:lnRef idx="2">
+            <a:schemeClr val="accent1">
+              <a:shade val="15000"/>
+            </a:schemeClr>
+          </a:lnRef>
+          <a:fillRef idx="1">
+            <a:schemeClr val="accent1"/>
+          </a:fillRef>
+          <a:effectRef idx="0">
+            <a:schemeClr val="accent1"/>
+          </a:effectRef>
+          <a:fontRef idx="minor">
+            <a:schemeClr val="lt1"/>
+          </a:fontRef>
+        </p:style>
+        <p:txBody>
+          <a:bodyPr rtlCol="0" anchor="ctr"/>
+          <a:lstStyle/>
+          <a:p>
+            <a:pPr algn="ctr"/>
+            <a:endParaRPr lang="pt-BR"/>
+          </a:p>
+        </p:txBody>
+      </p:sp>
+      <p:sp>
+        <p:nvSpPr>
+          <p:cNvPr id="6" name="Retângulo 5">
+            <a:extLst>
+              <a:ext uri="{FF2B5EF4-FFF2-40B4-BE49-F238E27FC236}">
+                <a16:creationId xmlns:a16="http://schemas.microsoft.com/office/drawing/2014/main" id="{C60F2157-A840-AFB9-94C7-C49D7546106F}"/>
+              </a:ext>
+            </a:extLst>
+          </p:cNvPr>
+          <p:cNvSpPr/>
+          <p:nvPr/>
+        </p:nvSpPr>
+        <p:spPr>
+          <a:xfrm>
+            <a:off x="152400" y="152400"/>
+            <a:ext cx="1205345" cy="644236"/>
+          </a:xfrm>
+          <a:prstGeom prst="rect">
+            <a:avLst/>
+          </a:prstGeom>
+          <a:solidFill>
+            <a:schemeClr val="bg2"/>
+          </a:solidFill>
+          <a:ln>
+            <a:noFill/>
+          </a:ln>
+        </p:spPr>
+        <p:style>
+          <a:lnRef idx="2">
+            <a:schemeClr val="accent1">
+              <a:shade val="15000"/>
+            </a:schemeClr>
+          </a:lnRef>
+          <a:fillRef idx="1">
+            <a:schemeClr val="accent1"/>
+          </a:fillRef>
+          <a:effectRef idx="0">
+            <a:schemeClr val="accent1"/>
+          </a:effectRef>
+          <a:fontRef idx="minor">
+            <a:schemeClr val="lt1"/>
+          </a:fontRef>
+        </p:style>
+        <p:txBody>
+          <a:bodyPr rtlCol="0" anchor="ctr"/>
+          <a:lstStyle/>
+          <a:p>
+            <a:pPr algn="ctr"/>
+            <a:endParaRPr lang="pt-BR"/>
+          </a:p>
+        </p:txBody>
+      </p:sp>
+      <p:sp>
+        <p:nvSpPr>
+          <p:cNvPr id="13" name="Retângulo 12">
+            <a:extLst>
+              <a:ext uri="{FF2B5EF4-FFF2-40B4-BE49-F238E27FC236}">
+                <a16:creationId xmlns:a16="http://schemas.microsoft.com/office/drawing/2014/main" id="{BB1101A7-115B-9ABC-E613-7022C16E6814}"/>
+              </a:ext>
+            </a:extLst>
+          </p:cNvPr>
+          <p:cNvSpPr/>
+          <p:nvPr/>
+        </p:nvSpPr>
+        <p:spPr>
+          <a:xfrm>
+            <a:off x="304800" y="304800"/>
+            <a:ext cx="1205345" cy="644236"/>
+          </a:xfrm>
+          <a:prstGeom prst="rect">
+            <a:avLst/>
+          </a:prstGeom>
+          <a:solidFill>
+            <a:schemeClr val="bg2"/>
+          </a:solidFill>
+          <a:ln>
+            <a:noFill/>
+          </a:ln>
+        </p:spPr>
+        <p:style>
+          <a:lnRef idx="2">
+            <a:schemeClr val="accent1">
+              <a:shade val="15000"/>
+            </a:schemeClr>
+          </a:lnRef>
+          <a:fillRef idx="1">
+            <a:schemeClr val="accent1"/>
+          </a:fillRef>
+          <a:effectRef idx="0">
+            <a:schemeClr val="accent1"/>
+          </a:effectRef>
+          <a:fontRef idx="minor">
+            <a:schemeClr val="lt1"/>
+          </a:fontRef>
+        </p:style>
+        <p:txBody>
+          <a:bodyPr rtlCol="0" anchor="ctr"/>
+          <a:lstStyle/>
+          <a:p>
+            <a:pPr algn="ctr"/>
+            <a:endParaRPr lang="pt-BR"/>
+          </a:p>
+        </p:txBody>
+      </p:sp>
+      <p:sp>
+        <p:nvSpPr>
+          <p:cNvPr id="2" name="Google Shape;1458;p28">
+            <a:extLst>
+              <a:ext uri="{FF2B5EF4-FFF2-40B4-BE49-F238E27FC236}">
+                <a16:creationId xmlns:a16="http://schemas.microsoft.com/office/drawing/2014/main" id="{83FA1DF3-9A60-6D92-1A8A-C07F63062DB2}"/>
+              </a:ext>
+            </a:extLst>
+          </p:cNvPr>
+          <p:cNvSpPr txBox="1">
+            <a:spLocks noGrp="1"/>
+          </p:cNvSpPr>
+          <p:nvPr>
+            <p:ph type="ctrTitle"/>
+          </p:nvPr>
+        </p:nvSpPr>
+        <p:spPr>
+          <a:xfrm>
+            <a:off x="1580052" y="322118"/>
+            <a:ext cx="5817641" cy="1068932"/>
+          </a:xfrm>
+          <a:prstGeom prst="rect">
+            <a:avLst/>
+          </a:prstGeom>
+        </p:spPr>
+        <p:txBody>
+          <a:bodyPr spcFirstLastPara="1" wrap="square" lIns="91425" tIns="91425" rIns="91425" bIns="91425" anchor="ctr" anchorCtr="0">
+            <a:noAutofit/>
+          </a:bodyPr>
+          <a:lstStyle/>
+          <a:p>
+            <a:pPr marL="0" lvl="0" indent="0" algn="ctr" rtl="0">
+              <a:spcBef>
+                <a:spcPts val="0"/>
+              </a:spcBef>
+              <a:spcAft>
+                <a:spcPts val="0"/>
+              </a:spcAft>
+              <a:buNone/>
+            </a:pPr>
+            <a:r>
+              <a:rPr lang="en" sz="3200" dirty="0"/>
+              <a:t>AGRADECIMENTO!</a:t>
+            </a:r>
+            <a:endParaRPr sz="3200" dirty="0">
+              <a:solidFill>
+                <a:schemeClr val="lt1"/>
+              </a:solidFill>
+            </a:endParaRPr>
+          </a:p>
+        </p:txBody>
+      </p:sp>
+      <p:pic>
+        <p:nvPicPr>
+          <p:cNvPr id="7" name="Imagem 6" descr="Uma imagem contendo em pé, segurando, frente, homem&#10;&#10;Descrição gerada automaticamente">
+            <a:extLst>
+              <a:ext uri="{FF2B5EF4-FFF2-40B4-BE49-F238E27FC236}">
+                <a16:creationId xmlns:a16="http://schemas.microsoft.com/office/drawing/2014/main" id="{FDF3D45F-C733-787E-4F42-6F9B7C2C7715}"/>
+              </a:ext>
+            </a:extLst>
+          </p:cNvPr>
+          <p:cNvPicPr>
+            <a:picLocks noChangeAspect="1"/>
+          </p:cNvPicPr>
+          <p:nvPr/>
+        </p:nvPicPr>
+        <p:blipFill>
+          <a:blip r:embed="rId3"/>
+          <a:stretch>
+            <a:fillRect/>
+          </a:stretch>
+        </p:blipFill>
+        <p:spPr>
+          <a:xfrm>
+            <a:off x="5386928" y="1472910"/>
+            <a:ext cx="2429525" cy="3239367"/>
+          </a:xfrm>
+          <a:prstGeom prst="rect">
+            <a:avLst/>
+          </a:prstGeom>
+          <a:ln w="28575">
+            <a:solidFill>
+              <a:srgbClr val="2066B8"/>
+            </a:solidFill>
+          </a:ln>
+        </p:spPr>
+      </p:pic>
+      <p:sp>
+        <p:nvSpPr>
+          <p:cNvPr id="8" name="Google Shape;1458;p28">
+            <a:extLst>
+              <a:ext uri="{FF2B5EF4-FFF2-40B4-BE49-F238E27FC236}">
+                <a16:creationId xmlns:a16="http://schemas.microsoft.com/office/drawing/2014/main" id="{461A58E3-FB65-3DDD-8B52-D261A317F1D9}"/>
+              </a:ext>
+            </a:extLst>
+          </p:cNvPr>
+          <p:cNvSpPr txBox="1">
+            <a:spLocks/>
+          </p:cNvSpPr>
+          <p:nvPr/>
+        </p:nvSpPr>
+        <p:spPr>
+          <a:xfrm>
+            <a:off x="0" y="1737278"/>
+            <a:ext cx="5817641" cy="1068932"/>
+          </a:xfrm>
+          <a:prstGeom prst="rect">
+            <a:avLst/>
+          </a:prstGeom>
+          <a:noFill/>
+          <a:ln>
+            <a:noFill/>
+          </a:ln>
+        </p:spPr>
+        <p:txBody>
+          <a:bodyPr spcFirstLastPara="1" wrap="square" lIns="91425" tIns="91425" rIns="91425" bIns="91425" anchor="ctr" anchorCtr="0">
+            <a:noAutofit/>
+          </a:bodyPr>
+          <a:lstStyle>
+            <a:defPPr marR="0" lvl="0" algn="l" rtl="0">
+              <a:lnSpc>
+                <a:spcPct val="100000"/>
+              </a:lnSpc>
+              <a:spcBef>
+                <a:spcPts val="0"/>
+              </a:spcBef>
+              <a:spcAft>
+                <a:spcPts val="0"/>
+              </a:spcAft>
+            </a:defPPr>
+            <a:lvl1pPr marR="0" lvl="0" algn="ctr" rtl="0">
+              <a:lnSpc>
+                <a:spcPct val="90000"/>
+              </a:lnSpc>
+              <a:spcBef>
+                <a:spcPts val="0"/>
+              </a:spcBef>
+              <a:spcAft>
+                <a:spcPts val="0"/>
+              </a:spcAft>
+              <a:buClr>
+                <a:schemeClr val="dk1"/>
+              </a:buClr>
+              <a:buSzPts val="5200"/>
+              <a:buFont typeface="Be Vietnam Pro Black"/>
+              <a:buNone/>
+              <a:defRPr sz="8500" b="0" i="0" u="none" strike="noStrike" cap="none">
+                <a:solidFill>
+                  <a:schemeClr val="dk1"/>
+                </a:solidFill>
+                <a:latin typeface="Be Vietnam Pro Black"/>
+                <a:ea typeface="Be Vietnam Pro Black"/>
+                <a:cs typeface="Be Vietnam Pro Black"/>
+                <a:sym typeface="Be Vietnam Pro Black"/>
+              </a:defRPr>
+            </a:lvl1pPr>
+            <a:lvl2pPr marR="0" lvl="1" algn="ctr" rtl="0">
+              <a:lnSpc>
+                <a:spcPct val="100000"/>
+              </a:lnSpc>
+              <a:spcBef>
+                <a:spcPts val="0"/>
+              </a:spcBef>
+              <a:spcAft>
+                <a:spcPts val="0"/>
+              </a:spcAft>
+              <a:buClr>
+                <a:schemeClr val="dk1"/>
+              </a:buClr>
+              <a:buSzPts val="5200"/>
+              <a:buFont typeface="Raleway"/>
+              <a:buNone/>
+              <a:defRPr sz="5200" b="1" i="0" u="none" strike="noStrike" cap="none">
+                <a:solidFill>
+                  <a:schemeClr val="dk1"/>
+                </a:solidFill>
+                <a:latin typeface="Raleway"/>
+                <a:ea typeface="Raleway"/>
+                <a:cs typeface="Raleway"/>
+                <a:sym typeface="Raleway"/>
+              </a:defRPr>
+            </a:lvl2pPr>
+            <a:lvl3pPr marR="0" lvl="2" algn="ctr" rtl="0">
+              <a:lnSpc>
+                <a:spcPct val="100000"/>
+              </a:lnSpc>
+              <a:spcBef>
+                <a:spcPts val="0"/>
+              </a:spcBef>
+              <a:spcAft>
+                <a:spcPts val="0"/>
+              </a:spcAft>
+              <a:buClr>
+                <a:schemeClr val="dk1"/>
+              </a:buClr>
+              <a:buSzPts val="5200"/>
+              <a:buFont typeface="Raleway"/>
+              <a:buNone/>
+              <a:defRPr sz="5200" b="1" i="0" u="none" strike="noStrike" cap="none">
+                <a:solidFill>
+                  <a:schemeClr val="dk1"/>
+                </a:solidFill>
+                <a:latin typeface="Raleway"/>
+                <a:ea typeface="Raleway"/>
+                <a:cs typeface="Raleway"/>
+                <a:sym typeface="Raleway"/>
+              </a:defRPr>
+            </a:lvl3pPr>
+            <a:lvl4pPr marR="0" lvl="3" algn="ctr" rtl="0">
+              <a:lnSpc>
+                <a:spcPct val="100000"/>
+              </a:lnSpc>
+              <a:spcBef>
+                <a:spcPts val="0"/>
+              </a:spcBef>
+              <a:spcAft>
+                <a:spcPts val="0"/>
+              </a:spcAft>
+              <a:buClr>
+                <a:schemeClr val="dk1"/>
+              </a:buClr>
+              <a:buSzPts val="5200"/>
+              <a:buFont typeface="Raleway"/>
+              <a:buNone/>
+              <a:defRPr sz="5200" b="1" i="0" u="none" strike="noStrike" cap="none">
+                <a:solidFill>
+                  <a:schemeClr val="dk1"/>
+                </a:solidFill>
+                <a:latin typeface="Raleway"/>
+                <a:ea typeface="Raleway"/>
+                <a:cs typeface="Raleway"/>
+                <a:sym typeface="Raleway"/>
+              </a:defRPr>
+            </a:lvl4pPr>
+            <a:lvl5pPr marR="0" lvl="4" algn="ctr" rtl="0">
+              <a:lnSpc>
+                <a:spcPct val="100000"/>
+              </a:lnSpc>
+              <a:spcBef>
+                <a:spcPts val="0"/>
+              </a:spcBef>
+              <a:spcAft>
+                <a:spcPts val="0"/>
+              </a:spcAft>
+              <a:buClr>
+                <a:schemeClr val="dk1"/>
+              </a:buClr>
+              <a:buSzPts val="5200"/>
+              <a:buFont typeface="Raleway"/>
+              <a:buNone/>
+              <a:defRPr sz="5200" b="1" i="0" u="none" strike="noStrike" cap="none">
+                <a:solidFill>
+                  <a:schemeClr val="dk1"/>
+                </a:solidFill>
+                <a:latin typeface="Raleway"/>
+                <a:ea typeface="Raleway"/>
+                <a:cs typeface="Raleway"/>
+                <a:sym typeface="Raleway"/>
+              </a:defRPr>
+            </a:lvl5pPr>
+            <a:lvl6pPr marR="0" lvl="5" algn="ctr" rtl="0">
+              <a:lnSpc>
+                <a:spcPct val="100000"/>
+              </a:lnSpc>
+              <a:spcBef>
+                <a:spcPts val="0"/>
+              </a:spcBef>
+              <a:spcAft>
+                <a:spcPts val="0"/>
+              </a:spcAft>
+              <a:buClr>
+                <a:schemeClr val="dk1"/>
+              </a:buClr>
+              <a:buSzPts val="5200"/>
+              <a:buFont typeface="Raleway"/>
+              <a:buNone/>
+              <a:defRPr sz="5200" b="1" i="0" u="none" strike="noStrike" cap="none">
+                <a:solidFill>
+                  <a:schemeClr val="dk1"/>
+                </a:solidFill>
+                <a:latin typeface="Raleway"/>
+                <a:ea typeface="Raleway"/>
+                <a:cs typeface="Raleway"/>
+                <a:sym typeface="Raleway"/>
+              </a:defRPr>
+            </a:lvl6pPr>
+            <a:lvl7pPr marR="0" lvl="6" algn="ctr" rtl="0">
+              <a:lnSpc>
+                <a:spcPct val="100000"/>
+              </a:lnSpc>
+              <a:spcBef>
+                <a:spcPts val="0"/>
+              </a:spcBef>
+              <a:spcAft>
+                <a:spcPts val="0"/>
+              </a:spcAft>
+              <a:buClr>
+                <a:schemeClr val="dk1"/>
+              </a:buClr>
+              <a:buSzPts val="5200"/>
+              <a:buFont typeface="Raleway"/>
+              <a:buNone/>
+              <a:defRPr sz="5200" b="1" i="0" u="none" strike="noStrike" cap="none">
+                <a:solidFill>
+                  <a:schemeClr val="dk1"/>
+                </a:solidFill>
+                <a:latin typeface="Raleway"/>
+                <a:ea typeface="Raleway"/>
+                <a:cs typeface="Raleway"/>
+                <a:sym typeface="Raleway"/>
+              </a:defRPr>
+            </a:lvl7pPr>
+            <a:lvl8pPr marR="0" lvl="7" algn="ctr" rtl="0">
+              <a:lnSpc>
+                <a:spcPct val="100000"/>
+              </a:lnSpc>
+              <a:spcBef>
+                <a:spcPts val="0"/>
+              </a:spcBef>
+              <a:spcAft>
+                <a:spcPts val="0"/>
+              </a:spcAft>
+              <a:buClr>
+                <a:schemeClr val="dk1"/>
+              </a:buClr>
+              <a:buSzPts val="5200"/>
+              <a:buFont typeface="Raleway"/>
+              <a:buNone/>
+              <a:defRPr sz="5200" b="1" i="0" u="none" strike="noStrike" cap="none">
+                <a:solidFill>
+                  <a:schemeClr val="dk1"/>
+                </a:solidFill>
+                <a:latin typeface="Raleway"/>
+                <a:ea typeface="Raleway"/>
+                <a:cs typeface="Raleway"/>
+                <a:sym typeface="Raleway"/>
+              </a:defRPr>
+            </a:lvl8pPr>
+            <a:lvl9pPr marR="0" lvl="8" algn="ctr" rtl="0">
+              <a:lnSpc>
+                <a:spcPct val="100000"/>
+              </a:lnSpc>
+              <a:spcBef>
+                <a:spcPts val="0"/>
+              </a:spcBef>
+              <a:spcAft>
+                <a:spcPts val="0"/>
+              </a:spcAft>
+              <a:buClr>
+                <a:schemeClr val="dk1"/>
+              </a:buClr>
+              <a:buSzPts val="5200"/>
+              <a:buFont typeface="Raleway"/>
+              <a:buNone/>
+              <a:defRPr sz="5200" b="1" i="0" u="none" strike="noStrike" cap="none">
+                <a:solidFill>
+                  <a:schemeClr val="dk1"/>
+                </a:solidFill>
+                <a:latin typeface="Raleway"/>
+                <a:ea typeface="Raleway"/>
+                <a:cs typeface="Raleway"/>
+                <a:sym typeface="Raleway"/>
+              </a:defRPr>
+            </a:lvl9pPr>
+          </a:lstStyle>
+          <a:p>
+            <a:r>
+              <a:rPr lang="pt-BR" sz="3200" dirty="0"/>
+              <a:t>A minha amada mãe.</a:t>
+            </a:r>
+          </a:p>
+          <a:p>
+            <a:r>
+              <a:rPr lang="pt-BR" sz="3200" dirty="0">
+                <a:solidFill>
+                  <a:srgbClr val="2066B8"/>
+                </a:solidFill>
+              </a:rPr>
+              <a:t>Dona Maria!</a:t>
+            </a:r>
+          </a:p>
+        </p:txBody>
+      </p:sp>
+    </p:spTree>
+    <p:extLst>
+      <p:ext uri="{BB962C8B-B14F-4D97-AF65-F5344CB8AC3E}">
+        <p14:creationId xmlns:p14="http://schemas.microsoft.com/office/powerpoint/2010/main" val="3916120387"/>
+      </p:ext>
+    </p:extLst>
+  </p:cSld>
+  <p:clrMapOvr>
+    <a:masterClrMapping/>
+  </p:clrMapOvr>
+</p:sld>
+</file>
+
+<file path=ppt/slides/slide7.xml><?xml version="1.0" encoding="utf-8"?>
+<p:sld xmlns:a="http://schemas.openxmlformats.org/drawingml/2006/main" xmlns:r="http://schemas.openxmlformats.org/officeDocument/2006/relationships" xmlns:p="http://schemas.openxmlformats.org/presentationml/2006/main">
+  <p:cSld>
+    <p:spTree>
+      <p:nvGrpSpPr>
+        <p:cNvPr id="1" name="Shape 1457">
+          <a:extLst>
+            <a:ext uri="{FF2B5EF4-FFF2-40B4-BE49-F238E27FC236}">
+              <a16:creationId xmlns:a16="http://schemas.microsoft.com/office/drawing/2014/main" id="{CA3CE1F3-569A-439A-1323-E0DC376A5D21}"/>
+            </a:ext>
+          </a:extLst>
+        </p:cNvPr>
+        <p:cNvGrpSpPr/>
+        <p:nvPr/>
+      </p:nvGrpSpPr>
+      <p:grpSpPr>
+        <a:xfrm>
+          <a:off x="0" y="0"/>
+          <a:ext cx="0" cy="0"/>
+          <a:chOff x="0" y="0"/>
+          <a:chExt cx="0" cy="0"/>
+        </a:xfrm>
+      </p:grpSpPr>
+      <p:sp>
+        <p:nvSpPr>
+          <p:cNvPr id="12" name="Retângulo 11">
+            <a:extLst>
+              <a:ext uri="{FF2B5EF4-FFF2-40B4-BE49-F238E27FC236}">
+                <a16:creationId xmlns:a16="http://schemas.microsoft.com/office/drawing/2014/main" id="{252D9A6C-8EB2-B4C7-3DBD-11DEE5B0A39F}"/>
+              </a:ext>
+            </a:extLst>
+          </p:cNvPr>
+          <p:cNvSpPr/>
+          <p:nvPr/>
+        </p:nvSpPr>
+        <p:spPr>
+          <a:xfrm>
+            <a:off x="0" y="4281054"/>
+            <a:ext cx="9144000" cy="862446"/>
+          </a:xfrm>
+          <a:prstGeom prst="rect">
+            <a:avLst/>
+          </a:prstGeom>
+          <a:solidFill>
+            <a:schemeClr val="bg2"/>
+          </a:solidFill>
+          <a:ln>
+            <a:noFill/>
+          </a:ln>
+        </p:spPr>
+        <p:style>
+          <a:lnRef idx="2">
+            <a:schemeClr val="accent1">
+              <a:shade val="15000"/>
+            </a:schemeClr>
+          </a:lnRef>
+          <a:fillRef idx="1">
+            <a:schemeClr val="accent1"/>
+          </a:fillRef>
+          <a:effectRef idx="0">
+            <a:schemeClr val="accent1"/>
+          </a:effectRef>
+          <a:fontRef idx="minor">
+            <a:schemeClr val="lt1"/>
+          </a:fontRef>
+        </p:style>
+        <p:txBody>
+          <a:bodyPr rtlCol="0" anchor="ctr"/>
+          <a:lstStyle/>
+          <a:p>
+            <a:pPr algn="ctr"/>
+            <a:endParaRPr lang="pt-BR"/>
+          </a:p>
+        </p:txBody>
+      </p:sp>
+      <p:sp>
+        <p:nvSpPr>
+          <p:cNvPr id="4" name="Retângulo 3">
+            <a:extLst>
+              <a:ext uri="{FF2B5EF4-FFF2-40B4-BE49-F238E27FC236}">
+                <a16:creationId xmlns:a16="http://schemas.microsoft.com/office/drawing/2014/main" id="{4D553EC3-B229-9A84-84B5-AD5CF75253C5}"/>
+              </a:ext>
+            </a:extLst>
+          </p:cNvPr>
+          <p:cNvSpPr/>
+          <p:nvPr/>
+        </p:nvSpPr>
+        <p:spPr>
+          <a:xfrm>
+            <a:off x="0" y="0"/>
+            <a:ext cx="1205345" cy="644236"/>
+          </a:xfrm>
+          <a:prstGeom prst="rect">
+            <a:avLst/>
+          </a:prstGeom>
+          <a:solidFill>
+            <a:schemeClr val="bg2"/>
+          </a:solidFill>
+          <a:ln>
+            <a:noFill/>
+          </a:ln>
+        </p:spPr>
+        <p:style>
+          <a:lnRef idx="2">
+            <a:schemeClr val="accent1">
+              <a:shade val="15000"/>
+            </a:schemeClr>
+          </a:lnRef>
+          <a:fillRef idx="1">
+            <a:schemeClr val="accent1"/>
+          </a:fillRef>
+          <a:effectRef idx="0">
+            <a:schemeClr val="accent1"/>
+          </a:effectRef>
+          <a:fontRef idx="minor">
+            <a:schemeClr val="lt1"/>
+          </a:fontRef>
+        </p:style>
+        <p:txBody>
+          <a:bodyPr rtlCol="0" anchor="ctr"/>
+          <a:lstStyle/>
+          <a:p>
+            <a:pPr algn="ctr"/>
+            <a:endParaRPr lang="pt-BR"/>
+          </a:p>
+        </p:txBody>
+      </p:sp>
+      <p:sp>
+        <p:nvSpPr>
+          <p:cNvPr id="5" name="Retângulo 4">
+            <a:extLst>
+              <a:ext uri="{FF2B5EF4-FFF2-40B4-BE49-F238E27FC236}">
+                <a16:creationId xmlns:a16="http://schemas.microsoft.com/office/drawing/2014/main" id="{D7057DC4-FCA4-01DF-AA69-570C85229760}"/>
+              </a:ext>
+            </a:extLst>
+          </p:cNvPr>
+          <p:cNvSpPr/>
+          <p:nvPr/>
+        </p:nvSpPr>
+        <p:spPr>
+          <a:xfrm>
+            <a:off x="7620000" y="0"/>
+            <a:ext cx="1524000" cy="644236"/>
+          </a:xfrm>
+          <a:prstGeom prst="rect">
+            <a:avLst/>
+          </a:prstGeom>
+          <a:solidFill>
+            <a:schemeClr val="bg2"/>
+          </a:solidFill>
+          <a:ln>
+            <a:noFill/>
+          </a:ln>
+        </p:spPr>
+        <p:style>
+          <a:lnRef idx="2">
+            <a:schemeClr val="accent1">
+              <a:shade val="15000"/>
+            </a:schemeClr>
+          </a:lnRef>
+          <a:fillRef idx="1">
+            <a:schemeClr val="accent1"/>
+          </a:fillRef>
+          <a:effectRef idx="0">
+            <a:schemeClr val="accent1"/>
+          </a:effectRef>
+          <a:fontRef idx="minor">
+            <a:schemeClr val="lt1"/>
+          </a:fontRef>
+        </p:style>
+        <p:txBody>
+          <a:bodyPr rtlCol="0" anchor="ctr"/>
+          <a:lstStyle/>
+          <a:p>
+            <a:pPr algn="ctr"/>
+            <a:endParaRPr lang="pt-BR"/>
+          </a:p>
+        </p:txBody>
+      </p:sp>
+      <p:sp>
+        <p:nvSpPr>
+          <p:cNvPr id="6" name="Retângulo 5">
+            <a:extLst>
+              <a:ext uri="{FF2B5EF4-FFF2-40B4-BE49-F238E27FC236}">
+                <a16:creationId xmlns:a16="http://schemas.microsoft.com/office/drawing/2014/main" id="{082614C4-FA99-AA26-6ED3-76D4E0CADED7}"/>
+              </a:ext>
+            </a:extLst>
+          </p:cNvPr>
+          <p:cNvSpPr/>
+          <p:nvPr/>
+        </p:nvSpPr>
+        <p:spPr>
+          <a:xfrm>
+            <a:off x="152400" y="152400"/>
+            <a:ext cx="1205345" cy="644236"/>
+          </a:xfrm>
+          <a:prstGeom prst="rect">
+            <a:avLst/>
+          </a:prstGeom>
+          <a:solidFill>
+            <a:schemeClr val="bg2"/>
+          </a:solidFill>
+          <a:ln>
+            <a:noFill/>
+          </a:ln>
+        </p:spPr>
+        <p:style>
+          <a:lnRef idx="2">
+            <a:schemeClr val="accent1">
+              <a:shade val="15000"/>
+            </a:schemeClr>
+          </a:lnRef>
+          <a:fillRef idx="1">
+            <a:schemeClr val="accent1"/>
+          </a:fillRef>
+          <a:effectRef idx="0">
+            <a:schemeClr val="accent1"/>
+          </a:effectRef>
+          <a:fontRef idx="minor">
+            <a:schemeClr val="lt1"/>
+          </a:fontRef>
+        </p:style>
+        <p:txBody>
+          <a:bodyPr rtlCol="0" anchor="ctr"/>
+          <a:lstStyle/>
+          <a:p>
+            <a:pPr algn="ctr"/>
+            <a:endParaRPr lang="pt-BR"/>
+          </a:p>
+        </p:txBody>
+      </p:sp>
+      <p:sp>
+        <p:nvSpPr>
+          <p:cNvPr id="13" name="Retângulo 12">
+            <a:extLst>
+              <a:ext uri="{FF2B5EF4-FFF2-40B4-BE49-F238E27FC236}">
+                <a16:creationId xmlns:a16="http://schemas.microsoft.com/office/drawing/2014/main" id="{622382BB-A91B-C6A3-6CA6-47829143E473}"/>
+              </a:ext>
+            </a:extLst>
+          </p:cNvPr>
+          <p:cNvSpPr/>
+          <p:nvPr/>
+        </p:nvSpPr>
+        <p:spPr>
+          <a:xfrm>
+            <a:off x="304800" y="304800"/>
+            <a:ext cx="1205345" cy="644236"/>
+          </a:xfrm>
+          <a:prstGeom prst="rect">
+            <a:avLst/>
+          </a:prstGeom>
+          <a:solidFill>
+            <a:schemeClr val="bg2"/>
+          </a:solidFill>
+          <a:ln>
+            <a:noFill/>
+          </a:ln>
+        </p:spPr>
+        <p:style>
+          <a:lnRef idx="2">
+            <a:schemeClr val="accent1">
+              <a:shade val="15000"/>
+            </a:schemeClr>
+          </a:lnRef>
+          <a:fillRef idx="1">
+            <a:schemeClr val="accent1"/>
+          </a:fillRef>
+          <a:effectRef idx="0">
+            <a:schemeClr val="accent1"/>
+          </a:effectRef>
+          <a:fontRef idx="minor">
+            <a:schemeClr val="lt1"/>
+          </a:fontRef>
+        </p:style>
+        <p:txBody>
+          <a:bodyPr rtlCol="0" anchor="ctr"/>
+          <a:lstStyle/>
+          <a:p>
+            <a:pPr algn="ctr"/>
+            <a:endParaRPr lang="pt-BR"/>
+          </a:p>
+        </p:txBody>
+      </p:sp>
+      <p:sp>
+        <p:nvSpPr>
+          <p:cNvPr id="2" name="Google Shape;1458;p28">
+            <a:extLst>
+              <a:ext uri="{FF2B5EF4-FFF2-40B4-BE49-F238E27FC236}">
+                <a16:creationId xmlns:a16="http://schemas.microsoft.com/office/drawing/2014/main" id="{18F1941E-06FE-1DCB-5DC7-54295F6AF74B}"/>
+              </a:ext>
+            </a:extLst>
+          </p:cNvPr>
+          <p:cNvSpPr txBox="1">
+            <a:spLocks noGrp="1"/>
+          </p:cNvSpPr>
+          <p:nvPr>
+            <p:ph type="ctrTitle"/>
+          </p:nvPr>
+        </p:nvSpPr>
+        <p:spPr>
+          <a:xfrm>
+            <a:off x="1663179" y="1928179"/>
+            <a:ext cx="5817641" cy="1068932"/>
+          </a:xfrm>
+          <a:prstGeom prst="rect">
+            <a:avLst/>
+          </a:prstGeom>
+        </p:spPr>
+        <p:txBody>
+          <a:bodyPr spcFirstLastPara="1" wrap="square" lIns="91425" tIns="91425" rIns="91425" bIns="91425" anchor="ctr" anchorCtr="0">
+            <a:noAutofit/>
+          </a:bodyPr>
+          <a:lstStyle/>
+          <a:p>
+            <a:pPr marL="0" lvl="0" indent="0" algn="ctr" rtl="0">
+              <a:spcBef>
+                <a:spcPts val="0"/>
+              </a:spcBef>
+              <a:spcAft>
+                <a:spcPts val="0"/>
+              </a:spcAft>
+              <a:buNone/>
+            </a:pPr>
+            <a:r>
+              <a:rPr lang="en" sz="3200" dirty="0"/>
+              <a:t>CONCLUSÃO</a:t>
+            </a:r>
+            <a:endParaRPr sz="3200" dirty="0">
+              <a:solidFill>
+                <a:schemeClr val="lt1"/>
+              </a:solidFill>
+            </a:endParaRPr>
+          </a:p>
+        </p:txBody>
+      </p:sp>
+    </p:spTree>
+    <p:extLst>
+      <p:ext uri="{BB962C8B-B14F-4D97-AF65-F5344CB8AC3E}">
+        <p14:creationId xmlns:p14="http://schemas.microsoft.com/office/powerpoint/2010/main" val="2866700646"/>
+      </p:ext>
+    </p:extLst>
+  </p:cSld>
+  <p:clrMapOvr>
+    <a:masterClrMapping/>
+  </p:clrMapOvr>
+</p:sld>
+</file>
+
+<file path=ppt/slides/slide8.xml><?xml version="1.0" encoding="utf-8"?>
 <p:sld xmlns:a="http://schemas.openxmlformats.org/drawingml/2006/main" xmlns:r="http://schemas.openxmlformats.org/officeDocument/2006/relationships" xmlns:p="http://schemas.openxmlformats.org/presentationml/2006/main">
   <p:cSld>
     <p:spTree>
@@ -52779,6 +54795,332 @@
           <a:p>
             <a:pPr algn="ctr"/>
             <a:endParaRPr lang="pt-BR"/>
+          </a:p>
+        </p:txBody>
+      </p:sp>
+      <p:pic>
+        <p:nvPicPr>
+          <p:cNvPr id="3" name="Imagem 2" descr="Homem ao lado de cortina&#10;&#10;Descrição gerada automaticamente com confiança média">
+            <a:extLst>
+              <a:ext uri="{FF2B5EF4-FFF2-40B4-BE49-F238E27FC236}">
+                <a16:creationId xmlns:a16="http://schemas.microsoft.com/office/drawing/2014/main" id="{10CE725A-401D-C3D8-ADB7-C31306A0440E}"/>
+              </a:ext>
+            </a:extLst>
+          </p:cNvPr>
+          <p:cNvPicPr>
+            <a:picLocks noChangeAspect="1"/>
+          </p:cNvPicPr>
+          <p:nvPr/>
+        </p:nvPicPr>
+        <p:blipFill>
+          <a:blip r:embed="rId3"/>
+          <a:stretch>
+            <a:fillRect/>
+          </a:stretch>
+        </p:blipFill>
+        <p:spPr>
+          <a:xfrm>
+            <a:off x="1071803" y="1130877"/>
+            <a:ext cx="7000393" cy="3150177"/>
+          </a:xfrm>
+          <a:prstGeom prst="rect">
+            <a:avLst/>
+          </a:prstGeom>
+          <a:ln w="28575">
+            <a:solidFill>
+              <a:schemeClr val="tx2"/>
+            </a:solidFill>
+          </a:ln>
+        </p:spPr>
+      </p:pic>
+      <p:sp>
+        <p:nvSpPr>
+          <p:cNvPr id="9" name="Google Shape;1458;p28">
+            <a:extLst>
+              <a:ext uri="{FF2B5EF4-FFF2-40B4-BE49-F238E27FC236}">
+                <a16:creationId xmlns:a16="http://schemas.microsoft.com/office/drawing/2014/main" id="{B2B20C32-D615-FEAB-CCBB-286EA8ED44AB}"/>
+              </a:ext>
+            </a:extLst>
+          </p:cNvPr>
+          <p:cNvSpPr txBox="1">
+            <a:spLocks/>
+          </p:cNvSpPr>
+          <p:nvPr/>
+        </p:nvSpPr>
+        <p:spPr>
+          <a:xfrm>
+            <a:off x="1718598" y="262170"/>
+            <a:ext cx="5817641" cy="1068932"/>
+          </a:xfrm>
+          <a:prstGeom prst="rect">
+            <a:avLst/>
+          </a:prstGeom>
+          <a:noFill/>
+          <a:ln>
+            <a:noFill/>
+          </a:ln>
+        </p:spPr>
+        <p:txBody>
+          <a:bodyPr spcFirstLastPara="1" wrap="square" lIns="91425" tIns="91425" rIns="91425" bIns="91425" anchor="ctr" anchorCtr="0">
+            <a:noAutofit/>
+          </a:bodyPr>
+          <a:lstStyle>
+            <a:defPPr marR="0" lvl="0" algn="l" rtl="0">
+              <a:lnSpc>
+                <a:spcPct val="100000"/>
+              </a:lnSpc>
+              <a:spcBef>
+                <a:spcPts val="0"/>
+              </a:spcBef>
+              <a:spcAft>
+                <a:spcPts val="0"/>
+              </a:spcAft>
+            </a:defPPr>
+            <a:lvl1pPr marR="0" lvl="0" algn="ctr" rtl="0">
+              <a:lnSpc>
+                <a:spcPct val="90000"/>
+              </a:lnSpc>
+              <a:spcBef>
+                <a:spcPts val="0"/>
+              </a:spcBef>
+              <a:spcAft>
+                <a:spcPts val="0"/>
+              </a:spcAft>
+              <a:buClr>
+                <a:schemeClr val="dk1"/>
+              </a:buClr>
+              <a:buSzPts val="5200"/>
+              <a:buFont typeface="Be Vietnam Pro Black"/>
+              <a:buNone/>
+              <a:defRPr sz="8500" b="0" i="0" u="none" strike="noStrike" cap="none">
+                <a:solidFill>
+                  <a:schemeClr val="dk1"/>
+                </a:solidFill>
+                <a:latin typeface="Be Vietnam Pro Black"/>
+                <a:ea typeface="Be Vietnam Pro Black"/>
+                <a:cs typeface="Be Vietnam Pro Black"/>
+                <a:sym typeface="Be Vietnam Pro Black"/>
+              </a:defRPr>
+            </a:lvl1pPr>
+            <a:lvl2pPr marR="0" lvl="1" algn="ctr" rtl="0">
+              <a:lnSpc>
+                <a:spcPct val="100000"/>
+              </a:lnSpc>
+              <a:spcBef>
+                <a:spcPts val="0"/>
+              </a:spcBef>
+              <a:spcAft>
+                <a:spcPts val="0"/>
+              </a:spcAft>
+              <a:buClr>
+                <a:schemeClr val="dk1"/>
+              </a:buClr>
+              <a:buSzPts val="5200"/>
+              <a:buFont typeface="Raleway"/>
+              <a:buNone/>
+              <a:defRPr sz="5200" b="1" i="0" u="none" strike="noStrike" cap="none">
+                <a:solidFill>
+                  <a:schemeClr val="dk1"/>
+                </a:solidFill>
+                <a:latin typeface="Raleway"/>
+                <a:ea typeface="Raleway"/>
+                <a:cs typeface="Raleway"/>
+                <a:sym typeface="Raleway"/>
+              </a:defRPr>
+            </a:lvl2pPr>
+            <a:lvl3pPr marR="0" lvl="2" algn="ctr" rtl="0">
+              <a:lnSpc>
+                <a:spcPct val="100000"/>
+              </a:lnSpc>
+              <a:spcBef>
+                <a:spcPts val="0"/>
+              </a:spcBef>
+              <a:spcAft>
+                <a:spcPts val="0"/>
+              </a:spcAft>
+              <a:buClr>
+                <a:schemeClr val="dk1"/>
+              </a:buClr>
+              <a:buSzPts val="5200"/>
+              <a:buFont typeface="Raleway"/>
+              <a:buNone/>
+              <a:defRPr sz="5200" b="1" i="0" u="none" strike="noStrike" cap="none">
+                <a:solidFill>
+                  <a:schemeClr val="dk1"/>
+                </a:solidFill>
+                <a:latin typeface="Raleway"/>
+                <a:ea typeface="Raleway"/>
+                <a:cs typeface="Raleway"/>
+                <a:sym typeface="Raleway"/>
+              </a:defRPr>
+            </a:lvl3pPr>
+            <a:lvl4pPr marR="0" lvl="3" algn="ctr" rtl="0">
+              <a:lnSpc>
+                <a:spcPct val="100000"/>
+              </a:lnSpc>
+              <a:spcBef>
+                <a:spcPts val="0"/>
+              </a:spcBef>
+              <a:spcAft>
+                <a:spcPts val="0"/>
+              </a:spcAft>
+              <a:buClr>
+                <a:schemeClr val="dk1"/>
+              </a:buClr>
+              <a:buSzPts val="5200"/>
+              <a:buFont typeface="Raleway"/>
+              <a:buNone/>
+              <a:defRPr sz="5200" b="1" i="0" u="none" strike="noStrike" cap="none">
+                <a:solidFill>
+                  <a:schemeClr val="dk1"/>
+                </a:solidFill>
+                <a:latin typeface="Raleway"/>
+                <a:ea typeface="Raleway"/>
+                <a:cs typeface="Raleway"/>
+                <a:sym typeface="Raleway"/>
+              </a:defRPr>
+            </a:lvl4pPr>
+            <a:lvl5pPr marR="0" lvl="4" algn="ctr" rtl="0">
+              <a:lnSpc>
+                <a:spcPct val="100000"/>
+              </a:lnSpc>
+              <a:spcBef>
+                <a:spcPts val="0"/>
+              </a:spcBef>
+              <a:spcAft>
+                <a:spcPts val="0"/>
+              </a:spcAft>
+              <a:buClr>
+                <a:schemeClr val="dk1"/>
+              </a:buClr>
+              <a:buSzPts val="5200"/>
+              <a:buFont typeface="Raleway"/>
+              <a:buNone/>
+              <a:defRPr sz="5200" b="1" i="0" u="none" strike="noStrike" cap="none">
+                <a:solidFill>
+                  <a:schemeClr val="dk1"/>
+                </a:solidFill>
+                <a:latin typeface="Raleway"/>
+                <a:ea typeface="Raleway"/>
+                <a:cs typeface="Raleway"/>
+                <a:sym typeface="Raleway"/>
+              </a:defRPr>
+            </a:lvl5pPr>
+            <a:lvl6pPr marR="0" lvl="5" algn="ctr" rtl="0">
+              <a:lnSpc>
+                <a:spcPct val="100000"/>
+              </a:lnSpc>
+              <a:spcBef>
+                <a:spcPts val="0"/>
+              </a:spcBef>
+              <a:spcAft>
+                <a:spcPts val="0"/>
+              </a:spcAft>
+              <a:buClr>
+                <a:schemeClr val="dk1"/>
+              </a:buClr>
+              <a:buSzPts val="5200"/>
+              <a:buFont typeface="Raleway"/>
+              <a:buNone/>
+              <a:defRPr sz="5200" b="1" i="0" u="none" strike="noStrike" cap="none">
+                <a:solidFill>
+                  <a:schemeClr val="dk1"/>
+                </a:solidFill>
+                <a:latin typeface="Raleway"/>
+                <a:ea typeface="Raleway"/>
+                <a:cs typeface="Raleway"/>
+                <a:sym typeface="Raleway"/>
+              </a:defRPr>
+            </a:lvl6pPr>
+            <a:lvl7pPr marR="0" lvl="6" algn="ctr" rtl="0">
+              <a:lnSpc>
+                <a:spcPct val="100000"/>
+              </a:lnSpc>
+              <a:spcBef>
+                <a:spcPts val="0"/>
+              </a:spcBef>
+              <a:spcAft>
+                <a:spcPts val="0"/>
+              </a:spcAft>
+              <a:buClr>
+                <a:schemeClr val="dk1"/>
+              </a:buClr>
+              <a:buSzPts val="5200"/>
+              <a:buFont typeface="Raleway"/>
+              <a:buNone/>
+              <a:defRPr sz="5200" b="1" i="0" u="none" strike="noStrike" cap="none">
+                <a:solidFill>
+                  <a:schemeClr val="dk1"/>
+                </a:solidFill>
+                <a:latin typeface="Raleway"/>
+                <a:ea typeface="Raleway"/>
+                <a:cs typeface="Raleway"/>
+                <a:sym typeface="Raleway"/>
+              </a:defRPr>
+            </a:lvl7pPr>
+            <a:lvl8pPr marR="0" lvl="7" algn="ctr" rtl="0">
+              <a:lnSpc>
+                <a:spcPct val="100000"/>
+              </a:lnSpc>
+              <a:spcBef>
+                <a:spcPts val="0"/>
+              </a:spcBef>
+              <a:spcAft>
+                <a:spcPts val="0"/>
+              </a:spcAft>
+              <a:buClr>
+                <a:schemeClr val="dk1"/>
+              </a:buClr>
+              <a:buSzPts val="5200"/>
+              <a:buFont typeface="Raleway"/>
+              <a:buNone/>
+              <a:defRPr sz="5200" b="1" i="0" u="none" strike="noStrike" cap="none">
+                <a:solidFill>
+                  <a:schemeClr val="dk1"/>
+                </a:solidFill>
+                <a:latin typeface="Raleway"/>
+                <a:ea typeface="Raleway"/>
+                <a:cs typeface="Raleway"/>
+                <a:sym typeface="Raleway"/>
+              </a:defRPr>
+            </a:lvl8pPr>
+            <a:lvl9pPr marR="0" lvl="8" algn="ctr" rtl="0">
+              <a:lnSpc>
+                <a:spcPct val="100000"/>
+              </a:lnSpc>
+              <a:spcBef>
+                <a:spcPts val="0"/>
+              </a:spcBef>
+              <a:spcAft>
+                <a:spcPts val="0"/>
+              </a:spcAft>
+              <a:buClr>
+                <a:schemeClr val="dk1"/>
+              </a:buClr>
+              <a:buSzPts val="5200"/>
+              <a:buFont typeface="Raleway"/>
+              <a:buNone/>
+              <a:defRPr sz="5200" b="1" i="0" u="none" strike="noStrike" cap="none">
+                <a:solidFill>
+                  <a:schemeClr val="dk1"/>
+                </a:solidFill>
+                <a:latin typeface="Raleway"/>
+                <a:ea typeface="Raleway"/>
+                <a:cs typeface="Raleway"/>
+                <a:sym typeface="Raleway"/>
+              </a:defRPr>
+            </a:lvl9pPr>
+          </a:lstStyle>
+          <a:p>
+            <a:r>
+              <a:rPr lang="pt-BR" sz="3200" dirty="0"/>
+              <a:t>OBRIGADO!</a:t>
+            </a:r>
+            <a:endParaRPr lang="pt-BR" sz="3200" dirty="0">
+              <a:solidFill>
+                <a:schemeClr val="lt1"/>
+              </a:solidFill>
+            </a:endParaRPr>
           </a:p>
         </p:txBody>
       </p:sp>
